--- a/Zustand-Deep-Dive.pptx
+++ b/Zustand-Deep-Dive.pptx
@@ -4,6 +4,9 @@
   <p:sldMasterIdLst>
     <p:sldMasterId id="2147483648" r:id="rId1"/>
   </p:sldMasterIdLst>
+  <p:notesMasterIdLst>
+    <p:notesMasterId r:id="rId10"/>
+  </p:notesMasterIdLst>
   <p:sldIdLst>
     <p:sldId id="256" r:id="rId2"/>
     <p:sldId id="257" r:id="rId3"/>
@@ -14,110 +17,131 @@
     <p:sldId id="262" r:id="rId8"/>
     <p:sldId id="263" r:id="rId9"/>
   </p:sldIdLst>
-  <p:notesMasterIdLst>
-    <p:notesMasterId r:id="rId10"/>
-  </p:notesMasterIdLst>
   <p:sldSz cx="14630400" cy="8229600"/>
   <p:notesSz cx="8229600" cy="14630400"/>
   <p:embeddedFontLst>
     <p:embeddedFont>
-      <p:font typeface="Barlow Bold"/>
-      <p:regular r:id="rId15"/>
+      <p:font typeface="Barlow Bold" pitchFamily="2" charset="77"/>
+      <p:regular r:id="rId11"/>
+      <p:italic r:id="rId12"/>
     </p:embeddedFont>
     <p:embeddedFont>
-      <p:font typeface="Barlow Bold"/>
-      <p:regular r:id="rId16"/>
-    </p:embeddedFont>
-    <p:embeddedFont>
-      <p:font typeface="Barlow Bold"/>
-      <p:regular r:id="rId17"/>
-    </p:embeddedFont>
-    <p:embeddedFont>
-      <p:font typeface="Barlow Bold"/>
-      <p:regular r:id="rId18"/>
-    </p:embeddedFont>
-    <p:embeddedFont>
-      <p:font typeface="Barlow Bold"/>
-      <p:regular r:id="rId19"/>
-    </p:embeddedFont>
-    <p:embeddedFont>
-      <p:font typeface="Barlow Bold"/>
-      <p:regular r:id="rId20"/>
-    </p:embeddedFont>
-    <p:embeddedFont>
-      <p:font typeface="Barlow Bold"/>
-      <p:regular r:id="rId21"/>
-    </p:embeddedFont>
-    <p:embeddedFont>
-      <p:font typeface="Barlow Bold"/>
-      <p:regular r:id="rId22"/>
-    </p:embeddedFont>
-    <p:embeddedFont>
-      <p:font typeface="Barlow Bold"/>
-      <p:regular r:id="rId23"/>
-    </p:embeddedFont>
-    <p:embeddedFont>
-      <p:font typeface="Barlow Bold"/>
-      <p:regular r:id="rId24"/>
-    </p:embeddedFont>
-    <p:embeddedFont>
-      <p:font typeface="Barlow Bold"/>
-      <p:regular r:id="rId25"/>
-    </p:embeddedFont>
-    <p:embeddedFont>
-      <p:font typeface="Barlow Bold"/>
-      <p:regular r:id="rId26"/>
-    </p:embeddedFont>
-    <p:embeddedFont>
-      <p:font typeface="Barlow Bold"/>
-      <p:regular r:id="rId27"/>
-    </p:embeddedFont>
-    <p:embeddedFont>
-      <p:font typeface="Barlow Bold"/>
-      <p:regular r:id="rId28"/>
-    </p:embeddedFont>
-    <p:embeddedFont>
-      <p:font typeface="Barlow Bold"/>
-      <p:regular r:id="rId29"/>
-    </p:embeddedFont>
-    <p:embeddedFont>
-      <p:font typeface="Barlow Bold"/>
-      <p:regular r:id="rId30"/>
-    </p:embeddedFont>
-    <p:embeddedFont>
-      <p:font typeface="Barlow Bold"/>
-      <p:regular r:id="rId31"/>
-    </p:embeddedFont>
-    <p:embeddedFont>
-      <p:font typeface="Barlow Bold"/>
-      <p:regular r:id="rId32"/>
-    </p:embeddedFont>
-    <p:embeddedFont>
-      <p:font typeface="Montserrat"/>
-      <p:regular r:id="rId33"/>
-    </p:embeddedFont>
-    <p:embeddedFont>
-      <p:font typeface="Montserrat"/>
-      <p:regular r:id="rId34"/>
-    </p:embeddedFont>
-    <p:embeddedFont>
-      <p:font typeface="Montserrat"/>
-      <p:regular r:id="rId35"/>
-    </p:embeddedFont>
-    <p:embeddedFont>
-      <p:font typeface="Montserrat"/>
-      <p:regular r:id="rId36"/>
-    </p:embeddedFont>
-    <p:embeddedFont>
-      <p:font typeface="Montserrat"/>
-      <p:regular r:id="rId37"/>
-    </p:embeddedFont>
-    <p:embeddedFont>
-      <p:font typeface="Montserrat"/>
-      <p:regular r:id="rId38"/>
+      <p:font typeface="Montserrat" pitchFamily="2" charset="77"/>
+      <p:regular r:id="rId13"/>
+      <p:bold r:id="rId14"/>
+      <p:italic r:id="rId15"/>
+      <p:boldItalic r:id="rId16"/>
     </p:embeddedFont>
   </p:embeddedFontLst>
+  <p:defaultTextStyle>
+    <a:defPPr>
+      <a:defRPr lang="en-BR"/>
+    </a:defPPr>
+    <a:lvl1pPr marL="0" algn="l" defTabSz="914400" rtl="0" eaLnBrk="1" latinLnBrk="0" hangingPunct="1">
+      <a:defRPr sz="1800" kern="1200">
+        <a:solidFill>
+          <a:schemeClr val="tx1"/>
+        </a:solidFill>
+        <a:latin typeface="+mn-lt"/>
+        <a:ea typeface="+mn-ea"/>
+        <a:cs typeface="+mn-cs"/>
+      </a:defRPr>
+    </a:lvl1pPr>
+    <a:lvl2pPr marL="457200" algn="l" defTabSz="914400" rtl="0" eaLnBrk="1" latinLnBrk="0" hangingPunct="1">
+      <a:defRPr sz="1800" kern="1200">
+        <a:solidFill>
+          <a:schemeClr val="tx1"/>
+        </a:solidFill>
+        <a:latin typeface="+mn-lt"/>
+        <a:ea typeface="+mn-ea"/>
+        <a:cs typeface="+mn-cs"/>
+      </a:defRPr>
+    </a:lvl2pPr>
+    <a:lvl3pPr marL="914400" algn="l" defTabSz="914400" rtl="0" eaLnBrk="1" latinLnBrk="0" hangingPunct="1">
+      <a:defRPr sz="1800" kern="1200">
+        <a:solidFill>
+          <a:schemeClr val="tx1"/>
+        </a:solidFill>
+        <a:latin typeface="+mn-lt"/>
+        <a:ea typeface="+mn-ea"/>
+        <a:cs typeface="+mn-cs"/>
+      </a:defRPr>
+    </a:lvl3pPr>
+    <a:lvl4pPr marL="1371600" algn="l" defTabSz="914400" rtl="0" eaLnBrk="1" latinLnBrk="0" hangingPunct="1">
+      <a:defRPr sz="1800" kern="1200">
+        <a:solidFill>
+          <a:schemeClr val="tx1"/>
+        </a:solidFill>
+        <a:latin typeface="+mn-lt"/>
+        <a:ea typeface="+mn-ea"/>
+        <a:cs typeface="+mn-cs"/>
+      </a:defRPr>
+    </a:lvl4pPr>
+    <a:lvl5pPr marL="1828800" algn="l" defTabSz="914400" rtl="0" eaLnBrk="1" latinLnBrk="0" hangingPunct="1">
+      <a:defRPr sz="1800" kern="1200">
+        <a:solidFill>
+          <a:schemeClr val="tx1"/>
+        </a:solidFill>
+        <a:latin typeface="+mn-lt"/>
+        <a:ea typeface="+mn-ea"/>
+        <a:cs typeface="+mn-cs"/>
+      </a:defRPr>
+    </a:lvl5pPr>
+    <a:lvl6pPr marL="2286000" algn="l" defTabSz="914400" rtl="0" eaLnBrk="1" latinLnBrk="0" hangingPunct="1">
+      <a:defRPr sz="1800" kern="1200">
+        <a:solidFill>
+          <a:schemeClr val="tx1"/>
+        </a:solidFill>
+        <a:latin typeface="+mn-lt"/>
+        <a:ea typeface="+mn-ea"/>
+        <a:cs typeface="+mn-cs"/>
+      </a:defRPr>
+    </a:lvl6pPr>
+    <a:lvl7pPr marL="2743200" algn="l" defTabSz="914400" rtl="0" eaLnBrk="1" latinLnBrk="0" hangingPunct="1">
+      <a:defRPr sz="1800" kern="1200">
+        <a:solidFill>
+          <a:schemeClr val="tx1"/>
+        </a:solidFill>
+        <a:latin typeface="+mn-lt"/>
+        <a:ea typeface="+mn-ea"/>
+        <a:cs typeface="+mn-cs"/>
+      </a:defRPr>
+    </a:lvl7pPr>
+    <a:lvl8pPr marL="3200400" algn="l" defTabSz="914400" rtl="0" eaLnBrk="1" latinLnBrk="0" hangingPunct="1">
+      <a:defRPr sz="1800" kern="1200">
+        <a:solidFill>
+          <a:schemeClr val="tx1"/>
+        </a:solidFill>
+        <a:latin typeface="+mn-lt"/>
+        <a:ea typeface="+mn-ea"/>
+        <a:cs typeface="+mn-cs"/>
+      </a:defRPr>
+    </a:lvl8pPr>
+    <a:lvl9pPr marL="3657600" algn="l" defTabSz="914400" rtl="0" eaLnBrk="1" latinLnBrk="0" hangingPunct="1">
+      <a:defRPr sz="1800" kern="1200">
+        <a:solidFill>
+          <a:schemeClr val="tx1"/>
+        </a:solidFill>
+        <a:latin typeface="+mn-lt"/>
+        <a:ea typeface="+mn-ea"/>
+        <a:cs typeface="+mn-cs"/>
+      </a:defRPr>
+    </a:lvl9pPr>
+  </p:defaultTextStyle>
+  <p:extLst>
+    <p:ext uri="{EFAFB233-063F-42B5-8137-9DF3F51BA10A}">
+      <p15:sldGuideLst xmlns:p15="http://schemas.microsoft.com/office/powerpoint/2012/main"/>
+    </p:ext>
+  </p:extLst>
 </p:presentation>
+</file>
+
+<file path=ppt/revisionInfo.xml><?xml version="1.0" encoding="utf-8"?>
+<p1510:revInfo xmlns:a="http://schemas.openxmlformats.org/drawingml/2006/main" xmlns:r="http://schemas.openxmlformats.org/officeDocument/2006/relationships" xmlns:p1510="http://schemas.microsoft.com/office/powerpoint/2015/10/main">
+  <p1510:revLst>
+    <p1510:client id="{B82688F5-3F29-A840-905A-ED8BCB8C81C6}" v="1" dt="2024-10-02T11:02:46.564"/>
+  </p1510:revLst>
+</p1510:revInfo>
 </file>
 
 <file path=ppt/notesMasters/notesMaster1.xml><?xml version="1.0" encoding="utf-8"?>
@@ -142,234 +166,10 @@
           <a:chExt cx="0" cy="0"/>
         </a:xfrm>
       </p:grpSpPr>
-      <p:sp>
-        <p:nvSpPr>
-          <p:cNvPr id="2" name="Header Placeholder 1"/>
-          <p:cNvSpPr>
-            <a:spLocks noGrp="1"/>
-          </p:cNvSpPr>
-          <p:nvPr>
-            <p:ph type="hdr" sz="quarter"/>
-          </p:nvPr>
-        </p:nvSpPr>
-        <p:spPr>
-          <a:xfrm>
-            <a:off x="0" y="0"/>
-            <a:ext cx="2971800" cy="458788"/>
-          </a:xfrm>
-          <a:prstGeom prst="rect">
-            <a:avLst/>
-          </a:prstGeom>
-        </p:spPr>
-        <p:txBody>
-          <a:bodyPr vert="horz" lIns="91440" tIns="45720" rIns="91440" bIns="45720" rtlCol="0"/>
-          <a:lstStyle>
-            <a:lvl1pPr algn="l">
-              <a:defRPr sz="1200"/>
-            </a:lvl1pPr>
-          </a:lstStyle>
-          <a:p>
-            <a:endParaRPr lang="en-US"/>
-          </a:p>
-        </p:txBody>
-      </p:sp>
-      <p:sp>
-        <p:nvSpPr>
-          <p:cNvPr id="3" name="Date Placeholder 2"/>
-          <p:cNvSpPr>
-            <a:spLocks noGrp="1"/>
-          </p:cNvSpPr>
-          <p:nvPr>
-            <p:ph type="dt" idx="1"/>
-          </p:nvPr>
-        </p:nvSpPr>
-        <p:spPr>
-          <a:xfrm>
-            <a:off x="3884613" y="0"/>
-            <a:ext cx="2971800" cy="458788"/>
-          </a:xfrm>
-          <a:prstGeom prst="rect">
-            <a:avLst/>
-          </a:prstGeom>
-        </p:spPr>
-        <p:txBody>
-          <a:bodyPr vert="horz" lIns="91440" tIns="45720" rIns="91440" bIns="45720" rtlCol="0"/>
-          <a:lstStyle>
-            <a:lvl1pPr algn="r">
-              <a:defRPr sz="1200"/>
-            </a:lvl1pPr>
-          </a:lstStyle>
-          <a:p>
-            <a:fld id="{5282F153-3F37-0F45-9E97-73ACFA13230C}" type="datetimeFigureOut">
-              <a:rPr lang="en-US"/>
-              <a:t>7/23/19</a:t>
-            </a:fld>
-            <a:endParaRPr lang="en-US"/>
-          </a:p>
-        </p:txBody>
-      </p:sp>
-      <p:sp>
-        <p:nvSpPr>
-          <p:cNvPr id="4" name="Slide Image Placeholder 3"/>
-          <p:cNvSpPr>
-            <a:spLocks noGrp="1" noRot="1" noChangeAspect="1"/>
-          </p:cNvSpPr>
-          <p:nvPr>
-            <p:ph type="sldImg" idx="2"/>
-          </p:nvPr>
-        </p:nvSpPr>
-        <p:spPr>
-          <a:xfrm>
-            <a:off x="685800" y="1143000"/>
-            <a:ext cx="5486400" cy="3086100"/>
-          </a:xfrm>
-          <a:prstGeom prst="rect">
-            <a:avLst/>
-          </a:prstGeom>
-          <a:noFill/>
-          <a:ln w="12700">
-            <a:solidFill>
-              <a:prstClr val="black"/>
-            </a:solidFill>
-          </a:ln>
-        </p:spPr>
-        <p:txBody>
-          <a:bodyPr vert="horz" lIns="91440" tIns="45720" rIns="91440" bIns="45720" rtlCol="0" anchor="ctr"/>
-          <a:lstStyle/>
-          <a:p>
-            <a:endParaRPr lang="en-US"/>
-          </a:p>
-        </p:txBody>
-      </p:sp>
-      <p:sp>
-        <p:nvSpPr>
-          <p:cNvPr id="5" name="Notes Placeholder 4"/>
-          <p:cNvSpPr>
-            <a:spLocks noGrp="1"/>
-          </p:cNvSpPr>
-          <p:nvPr>
-            <p:ph type="body" sz="quarter" idx="3"/>
-          </p:nvPr>
-        </p:nvSpPr>
-        <p:spPr>
-          <a:xfrm>
-            <a:off x="685800" y="4400550"/>
-            <a:ext cx="5486400" cy="3600450"/>
-          </a:xfrm>
-          <a:prstGeom prst="rect">
-            <a:avLst/>
-          </a:prstGeom>
-        </p:spPr>
-        <p:txBody>
-          <a:bodyPr vert="horz" lIns="91440" tIns="45720" rIns="91440" bIns="45720" rtlCol="0"/>
-          <a:lstStyle/>
-          <a:p>
-            <a:pPr lvl="0"/>
-            <a:r>
-              <a:rPr lang="en-US"/>
-              <a:t>Click to edit Master text styles</a:t>
-            </a:r>
-          </a:p>
-          <a:p>
-            <a:pPr lvl="1"/>
-            <a:r>
-              <a:rPr lang="en-US"/>
-              <a:t>Second level</a:t>
-            </a:r>
-          </a:p>
-          <a:p>
-            <a:pPr lvl="2"/>
-            <a:r>
-              <a:rPr lang="en-US"/>
-              <a:t>Third level</a:t>
-            </a:r>
-          </a:p>
-          <a:p>
-            <a:pPr lvl="3"/>
-            <a:r>
-              <a:rPr lang="en-US"/>
-              <a:t>Fourth level</a:t>
-            </a:r>
-          </a:p>
-          <a:p>
-            <a:pPr lvl="4"/>
-            <a:r>
-              <a:rPr lang="en-US"/>
-              <a:t>Fifth level</a:t>
-            </a:r>
-          </a:p>
-        </p:txBody>
-      </p:sp>
-      <p:sp>
-        <p:nvSpPr>
-          <p:cNvPr id="6" name="Footer Placeholder 5"/>
-          <p:cNvSpPr>
-            <a:spLocks noGrp="1"/>
-          </p:cNvSpPr>
-          <p:nvPr>
-            <p:ph type="ftr" sz="quarter" idx="4"/>
-          </p:nvPr>
-        </p:nvSpPr>
-        <p:spPr>
-          <a:xfrm>
-            <a:off x="0" y="8685213"/>
-            <a:ext cx="2971800" cy="458787"/>
-          </a:xfrm>
-          <a:prstGeom prst="rect">
-            <a:avLst/>
-          </a:prstGeom>
-        </p:spPr>
-        <p:txBody>
-          <a:bodyPr vert="horz" lIns="91440" tIns="45720" rIns="91440" bIns="45720" rtlCol="0" anchor="b"/>
-          <a:lstStyle>
-            <a:lvl1pPr algn="l">
-              <a:defRPr sz="1200"/>
-            </a:lvl1pPr>
-          </a:lstStyle>
-          <a:p>
-            <a:endParaRPr lang="en-US"/>
-          </a:p>
-        </p:txBody>
-      </p:sp>
-      <p:sp>
-        <p:nvSpPr>
-          <p:cNvPr id="7" name="Slide Number Placeholder 6"/>
-          <p:cNvSpPr>
-            <a:spLocks noGrp="1"/>
-          </p:cNvSpPr>
-          <p:nvPr>
-            <p:ph type="sldNum" sz="quarter" idx="5"/>
-          </p:nvPr>
-        </p:nvSpPr>
-        <p:spPr>
-          <a:xfrm>
-            <a:off x="3884613" y="8685213"/>
-            <a:ext cx="2971800" cy="458787"/>
-          </a:xfrm>
-          <a:prstGeom prst="rect">
-            <a:avLst/>
-          </a:prstGeom>
-        </p:spPr>
-        <p:txBody>
-          <a:bodyPr vert="horz" lIns="91440" tIns="45720" rIns="91440" bIns="45720" rtlCol="0" anchor="b"/>
-          <a:lstStyle>
-            <a:lvl1pPr algn="r">
-              <a:defRPr sz="1200"/>
-            </a:lvl1pPr>
-          </a:lstStyle>
-          <a:p>
-            <a:fld id="{CE5E9CC1-C706-0F49-92D6-E571CC5EEA8F}" type="slidenum">
-              <a:rPr lang="en-US"/>
-              <a:t>‹#›</a:t>
-            </a:fld>
-            <a:endParaRPr lang="en-US"/>
-          </a:p>
-        </p:txBody>
-      </p:sp>
     </p:spTree>
     <p:extLst>
       <p:ext uri="{BB962C8B-B14F-4D97-AF65-F5344CB8AC3E}">
-        <p14:creationId xmlns:p14="http://schemas.microsoft.com/office/powerpoint/2010/main" val="1024086991"/>
+        <p14:creationId xmlns:p14="http://schemas.microsoft.com/office/powerpoint/2010/main" val="552459670"/>
       </p:ext>
     </p:extLst>
   </p:cSld>
@@ -513,11 +313,50 @@
           <a:bodyPr/>
           <a:lstStyle/>
           <a:p>
+            <a:pPr marL="171450" indent="-171450">
+              <a:buFont typeface="Arial" panose="020B0604020202020204" pitchFamily="34" charset="0"/>
+              <a:buChar char="•"/>
+            </a:pPr>
             <a:r>
               <a:rPr lang="en-US" dirty="0"/>
-              <a:t/>
-            </a:r>
-            <a:endParaRPr lang="en-US" dirty="0"/>
+              <a:t>Let me introduce you to </a:t>
+            </a:r>
+            <a:r>
+              <a:rPr lang="en-US" dirty="0" err="1"/>
+              <a:t>Zustand</a:t>
+            </a:r>
+            <a:r>
+              <a:rPr lang="en-US" dirty="0"/>
+              <a:t>, a state management library designed for React.</a:t>
+            </a:r>
+          </a:p>
+          <a:p>
+            <a:pPr marL="171450" indent="-171450">
+              <a:buFont typeface="Arial" panose="020B0604020202020204" pitchFamily="34" charset="0"/>
+              <a:buChar char="•"/>
+            </a:pPr>
+            <a:r>
+              <a:rPr lang="en-US" dirty="0"/>
+              <a:t>Unlike Redux, </a:t>
+            </a:r>
+            <a:r>
+              <a:rPr lang="en-US" dirty="0" err="1"/>
+              <a:t>Zustand</a:t>
+            </a:r>
+            <a:r>
+              <a:rPr lang="en-US" dirty="0"/>
+              <a:t> emphasizes simplicity and speed, making it lightweight, fast, and easy to integrate.</a:t>
+            </a:r>
+          </a:p>
+          <a:p>
+            <a:pPr marL="171450" indent="-171450">
+              <a:buFont typeface="Arial" panose="020B0604020202020204" pitchFamily="34" charset="0"/>
+              <a:buChar char="•"/>
+            </a:pPr>
+            <a:r>
+              <a:rPr lang="en-US" dirty="0"/>
+              <a:t>It’s an excellent alternative if you’re looking to avoid complex boilerplate while managing your application's state.</a:t>
+            </a:r>
           </a:p>
         </p:txBody>
       </p:sp>
@@ -601,11 +440,76 @@
           <a:bodyPr/>
           <a:lstStyle/>
           <a:p>
+            <a:pPr marL="171450" indent="-171450">
+              <a:buFont typeface="Arial" panose="020B0604020202020204" pitchFamily="34" charset="0"/>
+              <a:buChar char="•"/>
+            </a:pPr>
             <a:r>
               <a:rPr lang="en-US" dirty="0"/>
-              <a:t/>
-            </a:r>
-            <a:endParaRPr lang="en-US" dirty="0"/>
+              <a:t>So, how does </a:t>
+            </a:r>
+            <a:r>
+              <a:rPr lang="en-US" dirty="0" err="1"/>
+              <a:t>Zustand</a:t>
+            </a:r>
+            <a:r>
+              <a:rPr lang="en-US" dirty="0"/>
+              <a:t> work?</a:t>
+            </a:r>
+          </a:p>
+          <a:p>
+            <a:pPr marL="171450" indent="-171450">
+              <a:buFont typeface="Arial" panose="020B0604020202020204" pitchFamily="34" charset="0"/>
+              <a:buChar char="•"/>
+            </a:pPr>
+            <a:r>
+              <a:rPr lang="en-US" dirty="0"/>
+              <a:t>It uses a centralized store, where all your state is managed in one place, and components can subscribe to changes in the store.</a:t>
+            </a:r>
+          </a:p>
+          <a:p>
+            <a:pPr marL="171450" indent="-171450">
+              <a:buFont typeface="Arial" panose="020B0604020202020204" pitchFamily="34" charset="0"/>
+              <a:buChar char="•"/>
+            </a:pPr>
+            <a:r>
+              <a:rPr lang="en-US" dirty="0"/>
+              <a:t>This allows us to avoid the limitations of </a:t>
+            </a:r>
+            <a:r>
+              <a:rPr lang="en-US" dirty="0" err="1"/>
+              <a:t>useState</a:t>
+            </a:r>
+            <a:r>
+              <a:rPr lang="en-US" dirty="0"/>
+              <a:t> and </a:t>
+            </a:r>
+            <a:r>
+              <a:rPr lang="en-US" dirty="0" err="1"/>
+              <a:t>useReducer</a:t>
+            </a:r>
+            <a:r>
+              <a:rPr lang="en-US" dirty="0"/>
+              <a:t>, especially when dealing with larger applications.</a:t>
+            </a:r>
+          </a:p>
+          <a:p>
+            <a:pPr marL="171450" indent="-171450">
+              <a:buFont typeface="Arial" panose="020B0604020202020204" pitchFamily="34" charset="0"/>
+              <a:buChar char="•"/>
+            </a:pPr>
+            <a:r>
+              <a:rPr lang="en-US" dirty="0"/>
+              <a:t>As we can see from this code snippet, </a:t>
+            </a:r>
+            <a:r>
+              <a:rPr lang="en-US" dirty="0" err="1"/>
+              <a:t>Zustand</a:t>
+            </a:r>
+            <a:r>
+              <a:rPr lang="en-US" dirty="0"/>
+              <a:t> makes it really easy to define state and update it without unnecessary complexity.</a:t>
+            </a:r>
           </a:p>
         </p:txBody>
       </p:sp>
@@ -689,11 +593,64 @@
           <a:bodyPr/>
           <a:lstStyle/>
           <a:p>
+            <a:pPr marL="171450" indent="-171450">
+              <a:buFont typeface="Arial" panose="020B0604020202020204" pitchFamily="34" charset="0"/>
+              <a:buChar char="•"/>
+            </a:pPr>
             <a:r>
               <a:rPr lang="en-US" dirty="0"/>
-              <a:t/>
-            </a:r>
-            <a:endParaRPr lang="en-US" dirty="0"/>
+              <a:t>Let’s talk about </a:t>
+            </a:r>
+            <a:r>
+              <a:rPr lang="en-US" dirty="0" err="1"/>
+              <a:t>Zustand’s</a:t>
+            </a:r>
+            <a:r>
+              <a:rPr lang="en-US" dirty="0"/>
+              <a:t> architecture. It follows a single store pattern, meaning all state is managed centrally.</a:t>
+            </a:r>
+          </a:p>
+          <a:p>
+            <a:pPr marL="171450" indent="-171450">
+              <a:buFont typeface="Arial" panose="020B0604020202020204" pitchFamily="34" charset="0"/>
+              <a:buChar char="•"/>
+            </a:pPr>
+            <a:r>
+              <a:rPr lang="en-US" dirty="0"/>
+              <a:t>This is different from libraries like Redux, which introduce actions, reducers, and a more opinionated flow for handling state updates.</a:t>
+            </a:r>
+          </a:p>
+          <a:p>
+            <a:pPr marL="171450" indent="-171450">
+              <a:buFont typeface="Arial" panose="020B0604020202020204" pitchFamily="34" charset="0"/>
+              <a:buChar char="•"/>
+            </a:pPr>
+            <a:r>
+              <a:rPr lang="en-US" dirty="0" err="1"/>
+              <a:t>Zustand</a:t>
+            </a:r>
+            <a:r>
+              <a:rPr lang="en-US" dirty="0"/>
+              <a:t> takes a more minimalist approach, which leads to fewer re-renders and better performance optimization.</a:t>
+            </a:r>
+          </a:p>
+          <a:p>
+            <a:pPr marL="171450" indent="-171450">
+              <a:buFont typeface="Arial" panose="020B0604020202020204" pitchFamily="34" charset="0"/>
+              <a:buChar char="•"/>
+            </a:pPr>
+            <a:r>
+              <a:rPr lang="en-US" dirty="0"/>
+              <a:t>While Redux enforces strict separation between actions and reducers, </a:t>
+            </a:r>
+            <a:r>
+              <a:rPr lang="en-US" dirty="0" err="1"/>
+              <a:t>Zustand</a:t>
+            </a:r>
+            <a:r>
+              <a:rPr lang="en-US" dirty="0"/>
+              <a:t> simplifies this by allowing direct state mutation.</a:t>
+            </a:r>
           </a:p>
         </p:txBody>
       </p:sp>
@@ -777,11 +734,86 @@
           <a:bodyPr/>
           <a:lstStyle/>
           <a:p>
+            <a:pPr marL="171450" indent="-171450">
+              <a:buFont typeface="Arial" panose="020B0604020202020204" pitchFamily="34" charset="0"/>
+              <a:buChar char="•"/>
+            </a:pPr>
             <a:r>
               <a:rPr lang="en-US" dirty="0"/>
-              <a:t/>
-            </a:r>
-            <a:endParaRPr lang="en-US" dirty="0"/>
+              <a:t>Let’s dive into the pros of using </a:t>
+            </a:r>
+            <a:r>
+              <a:rPr lang="en-US" dirty="0" err="1"/>
+              <a:t>Zustand</a:t>
+            </a:r>
+            <a:r>
+              <a:rPr lang="en-US" dirty="0"/>
+              <a:t>.</a:t>
+            </a:r>
+          </a:p>
+          <a:p>
+            <a:pPr marL="171450" indent="-171450">
+              <a:buFont typeface="Arial" panose="020B0604020202020204" pitchFamily="34" charset="0"/>
+              <a:buChar char="•"/>
+            </a:pPr>
+            <a:r>
+              <a:rPr lang="en-US" dirty="0"/>
+              <a:t>First, it’s incredibly lightweight. At just around 1KB </a:t>
+            </a:r>
+            <a:r>
+              <a:rPr lang="en-US" dirty="0" err="1"/>
+              <a:t>gzipped</a:t>
+            </a:r>
+            <a:r>
+              <a:rPr lang="en-US" dirty="0"/>
+              <a:t>, it doesn’t bloat your project.</a:t>
+            </a:r>
+          </a:p>
+          <a:p>
+            <a:pPr marL="171450" indent="-171450">
+              <a:buFont typeface="Arial" panose="020B0604020202020204" pitchFamily="34" charset="0"/>
+              <a:buChar char="•"/>
+            </a:pPr>
+            <a:r>
+              <a:rPr lang="en-US" dirty="0"/>
+              <a:t>It’s also easy to integrate into your application. You don’t need complex setup or extensive boilerplate to start managing your state.</a:t>
+            </a:r>
+          </a:p>
+          <a:p>
+            <a:pPr marL="171450" indent="-171450">
+              <a:buFont typeface="Arial" panose="020B0604020202020204" pitchFamily="34" charset="0"/>
+              <a:buChar char="•"/>
+            </a:pPr>
+            <a:r>
+              <a:rPr lang="en-US" dirty="0"/>
+              <a:t>Another benefit is that </a:t>
+            </a:r>
+            <a:r>
+              <a:rPr lang="en-US" dirty="0" err="1"/>
+              <a:t>Zustand</a:t>
+            </a:r>
+            <a:r>
+              <a:rPr lang="en-US" dirty="0"/>
+              <a:t> doesn’t require wrapping components in providers, unlike Redux. You can access the state directly.</a:t>
+            </a:r>
+          </a:p>
+          <a:p>
+            <a:pPr marL="171450" indent="-171450">
+              <a:buFont typeface="Arial" panose="020B0604020202020204" pitchFamily="34" charset="0"/>
+              <a:buChar char="•"/>
+            </a:pPr>
+            <a:r>
+              <a:rPr lang="en-US" dirty="0"/>
+              <a:t>Finally, it scales really well. Even with large state trees, </a:t>
+            </a:r>
+            <a:r>
+              <a:rPr lang="en-US" dirty="0" err="1"/>
+              <a:t>Zustand’s</a:t>
+            </a:r>
+            <a:r>
+              <a:rPr lang="en-US" dirty="0"/>
+              <a:t> performance holds up efficiently.</a:t>
+            </a:r>
           </a:p>
         </p:txBody>
       </p:sp>
@@ -865,11 +897,60 @@
           <a:bodyPr/>
           <a:lstStyle/>
           <a:p>
+            <a:pPr marL="171450" indent="-171450">
+              <a:buFont typeface="Arial" panose="020B0604020202020204" pitchFamily="34" charset="0"/>
+              <a:buChar char="•"/>
+            </a:pPr>
             <a:r>
               <a:rPr lang="en-US" dirty="0"/>
-              <a:t/>
-            </a:r>
-            <a:endParaRPr lang="en-US" dirty="0"/>
+              <a:t>Of course, with every solution, there are cons. </a:t>
+            </a:r>
+            <a:r>
+              <a:rPr lang="en-US" dirty="0" err="1"/>
+              <a:t>Zustand</a:t>
+            </a:r>
+            <a:r>
+              <a:rPr lang="en-US" dirty="0"/>
+              <a:t> is no different.</a:t>
+            </a:r>
+          </a:p>
+          <a:p>
+            <a:pPr marL="171450" indent="-171450">
+              <a:buFont typeface="Arial" panose="020B0604020202020204" pitchFamily="34" charset="0"/>
+              <a:buChar char="•"/>
+            </a:pPr>
+            <a:r>
+              <a:rPr lang="en-US" dirty="0"/>
+              <a:t>One limitation is the smaller ecosystem. Unlike Redux, </a:t>
+            </a:r>
+            <a:r>
+              <a:rPr lang="en-US" dirty="0" err="1"/>
+              <a:t>Zustand</a:t>
+            </a:r>
+            <a:r>
+              <a:rPr lang="en-US" dirty="0"/>
+              <a:t> doesn’t have a wide variety of middleware or tools to extend functionality.</a:t>
+            </a:r>
+          </a:p>
+          <a:p>
+            <a:pPr marL="171450" indent="-171450">
+              <a:buFont typeface="Arial" panose="020B0604020202020204" pitchFamily="34" charset="0"/>
+              <a:buChar char="•"/>
+            </a:pPr>
+            <a:r>
+              <a:rPr lang="en-US" dirty="0"/>
+              <a:t>Also, it’s a less structured solution, which might not be ideal for teams looking for a more formal and opinionated setup like Redux.</a:t>
+            </a:r>
+          </a:p>
+          <a:p>
+            <a:pPr marL="171450" indent="-171450">
+              <a:buFont typeface="Arial" panose="020B0604020202020204" pitchFamily="34" charset="0"/>
+              <a:buChar char="•"/>
+            </a:pPr>
+            <a:r>
+              <a:rPr lang="en-US" dirty="0"/>
+              <a:t>And lastly, being a newer library, the community is smaller, which means you might find fewer resources or support for more complex issues.</a:t>
+            </a:r>
           </a:p>
         </p:txBody>
       </p:sp>
@@ -953,11 +1034,76 @@
           <a:bodyPr/>
           <a:lstStyle/>
           <a:p>
+            <a:pPr marL="171450" indent="-171450">
+              <a:buFont typeface="Arial" panose="020B0604020202020204" pitchFamily="34" charset="0"/>
+              <a:buChar char="•"/>
+            </a:pPr>
             <a:r>
               <a:rPr lang="en-US" dirty="0"/>
-              <a:t/>
-            </a:r>
-            <a:endParaRPr lang="en-US" dirty="0"/>
+              <a:t>There are several trade-offs to consider when using </a:t>
+            </a:r>
+            <a:r>
+              <a:rPr lang="en-US" dirty="0" err="1"/>
+              <a:t>Zustand</a:t>
+            </a:r>
+            <a:r>
+              <a:rPr lang="en-US" dirty="0"/>
+              <a:t>.</a:t>
+            </a:r>
+          </a:p>
+          <a:p>
+            <a:pPr marL="171450" indent="-171450">
+              <a:buFont typeface="Arial" panose="020B0604020202020204" pitchFamily="34" charset="0"/>
+              <a:buChar char="•"/>
+            </a:pPr>
+            <a:r>
+              <a:rPr lang="en-US" dirty="0"/>
+              <a:t>On one hand, it’s incredibly easy to use and set up. You avoid a lot of boilerplate code, which saves time.</a:t>
+            </a:r>
+          </a:p>
+          <a:p>
+            <a:pPr marL="171450" indent="-171450">
+              <a:buFont typeface="Arial" panose="020B0604020202020204" pitchFamily="34" charset="0"/>
+              <a:buChar char="•"/>
+            </a:pPr>
+            <a:r>
+              <a:rPr lang="en-US" dirty="0"/>
+              <a:t>However, with that simplicity comes a lack of structure. If you prefer a more organized flow with actions and reducers, you might miss that in </a:t>
+            </a:r>
+            <a:r>
+              <a:rPr lang="en-US" dirty="0" err="1"/>
+              <a:t>Zustand</a:t>
+            </a:r>
+            <a:r>
+              <a:rPr lang="en-US" dirty="0"/>
+              <a:t>.</a:t>
+            </a:r>
+          </a:p>
+          <a:p>
+            <a:pPr marL="171450" indent="-171450">
+              <a:buFont typeface="Arial" panose="020B0604020202020204" pitchFamily="34" charset="0"/>
+              <a:buChar char="•"/>
+            </a:pPr>
+            <a:r>
+              <a:rPr lang="en-US" dirty="0"/>
+              <a:t>Another important trade-off is performance vs. tooling. While </a:t>
+            </a:r>
+            <a:r>
+              <a:rPr lang="en-US" dirty="0" err="1"/>
+              <a:t>Zustand</a:t>
+            </a:r>
+            <a:r>
+              <a:rPr lang="en-US" dirty="0"/>
+              <a:t> performs very well due to its lightweight nature, it doesn’t have some of the advanced tooling that Redux offers, like Redux </a:t>
+            </a:r>
+            <a:r>
+              <a:rPr lang="en-US" dirty="0" err="1"/>
+              <a:t>DevTools</a:t>
+            </a:r>
+            <a:r>
+              <a:rPr lang="en-US" dirty="0"/>
+              <a:t>, which is useful for debugging large apps.</a:t>
+            </a:r>
           </a:p>
         </p:txBody>
       </p:sp>
@@ -1041,11 +1187,88 @@
           <a:bodyPr/>
           <a:lstStyle/>
           <a:p>
+            <a:pPr marL="171450" indent="-171450">
+              <a:buFont typeface="Arial" panose="020B0604020202020204" pitchFamily="34" charset="0"/>
+              <a:buChar char="•"/>
+            </a:pPr>
             <a:r>
               <a:rPr lang="en-US" dirty="0"/>
-              <a:t/>
-            </a:r>
-            <a:endParaRPr lang="en-US" dirty="0"/>
+              <a:t>Now, let’s compare </a:t>
+            </a:r>
+            <a:r>
+              <a:rPr lang="en-US" dirty="0" err="1"/>
+              <a:t>Zustand</a:t>
+            </a:r>
+            <a:r>
+              <a:rPr lang="en-US" dirty="0"/>
+              <a:t> with other state management libraries.</a:t>
+            </a:r>
+          </a:p>
+          <a:p>
+            <a:pPr marL="171450" indent="-171450">
+              <a:buFont typeface="Arial" panose="020B0604020202020204" pitchFamily="34" charset="0"/>
+              <a:buChar char="•"/>
+            </a:pPr>
+            <a:r>
+              <a:rPr lang="en-US" dirty="0"/>
+              <a:t>First, compared to Redux: </a:t>
+            </a:r>
+            <a:r>
+              <a:rPr lang="en-US" dirty="0" err="1"/>
+              <a:t>Zustand</a:t>
+            </a:r>
+            <a:r>
+              <a:rPr lang="en-US" dirty="0"/>
+              <a:t> offers a much simpler API. In Redux, you have actions, reducers, and types, whereas in </a:t>
+            </a:r>
+            <a:r>
+              <a:rPr lang="en-US" dirty="0" err="1"/>
+              <a:t>Zustand</a:t>
+            </a:r>
+            <a:r>
+              <a:rPr lang="en-US" dirty="0"/>
+              <a:t>, you work directly with the state.</a:t>
+            </a:r>
+          </a:p>
+          <a:p>
+            <a:pPr marL="171450" indent="-171450">
+              <a:buFont typeface="Arial" panose="020B0604020202020204" pitchFamily="34" charset="0"/>
+              <a:buChar char="•"/>
+            </a:pPr>
+            <a:r>
+              <a:rPr lang="en-US" dirty="0" err="1"/>
+              <a:t>Zustand</a:t>
+            </a:r>
+            <a:r>
+              <a:rPr lang="en-US" dirty="0"/>
+              <a:t> also avoids the boilerplate that Redux requires, making it a more attractive choice for smaller projects or teams looking for simplicity.</a:t>
+            </a:r>
+          </a:p>
+          <a:p>
+            <a:pPr marL="171450" indent="-171450">
+              <a:buFont typeface="Arial" panose="020B0604020202020204" pitchFamily="34" charset="0"/>
+              <a:buChar char="•"/>
+            </a:pPr>
+            <a:r>
+              <a:rPr lang="en-US" dirty="0"/>
+              <a:t>Compared to </a:t>
+            </a:r>
+            <a:r>
+              <a:rPr lang="en-US" dirty="0" err="1"/>
+              <a:t>React’s</a:t>
+            </a:r>
+            <a:r>
+              <a:rPr lang="en-US" dirty="0"/>
+              <a:t> Context API, </a:t>
+            </a:r>
+            <a:r>
+              <a:rPr lang="en-US" dirty="0" err="1"/>
+              <a:t>Zustand</a:t>
+            </a:r>
+            <a:r>
+              <a:rPr lang="en-US" dirty="0"/>
+              <a:t> performs better when managing complex state trees, as Context API often triggers unnecessary re-renders across components.</a:t>
+            </a:r>
           </a:p>
         </p:txBody>
       </p:sp>
@@ -1129,11 +1352,56 @@
           <a:bodyPr/>
           <a:lstStyle/>
           <a:p>
+            <a:pPr marL="171450" indent="-171450">
+              <a:buFont typeface="Arial" panose="020B0604020202020204" pitchFamily="34" charset="0"/>
+              <a:buChar char="•"/>
+            </a:pPr>
             <a:r>
               <a:rPr lang="en-US" dirty="0"/>
-              <a:t/>
-            </a:r>
-            <a:endParaRPr lang="en-US" dirty="0"/>
+              <a:t>In conclusion, </a:t>
+            </a:r>
+            <a:r>
+              <a:rPr lang="en-US" dirty="0" err="1"/>
+              <a:t>Zustand</a:t>
+            </a:r>
+            <a:r>
+              <a:rPr lang="en-US" dirty="0"/>
+              <a:t> is a powerful, lightweight alternative for managing state in React applications.</a:t>
+            </a:r>
+          </a:p>
+          <a:p>
+            <a:pPr marL="171450" indent="-171450">
+              <a:buFont typeface="Arial" panose="020B0604020202020204" pitchFamily="34" charset="0"/>
+              <a:buChar char="•"/>
+            </a:pPr>
+            <a:r>
+              <a:rPr lang="en-US" dirty="0"/>
+              <a:t>It’s ideal for developers who want minimal setup and high performance, without the need for complex boilerplate.</a:t>
+            </a:r>
+          </a:p>
+          <a:p>
+            <a:pPr marL="171450" indent="-171450">
+              <a:buFont typeface="Arial" panose="020B0604020202020204" pitchFamily="34" charset="0"/>
+              <a:buChar char="•"/>
+            </a:pPr>
+            <a:r>
+              <a:rPr lang="en-US" dirty="0"/>
+              <a:t>That said, for larger teams or more complex applications, the structure and tooling provided by libraries like Redux might still be preferable.</a:t>
+            </a:r>
+          </a:p>
+          <a:p>
+            <a:pPr marL="171450" indent="-171450">
+              <a:buFont typeface="Arial" panose="020B0604020202020204" pitchFamily="34" charset="0"/>
+              <a:buChar char="•"/>
+            </a:pPr>
+            <a:r>
+              <a:rPr lang="en-US" dirty="0" err="1"/>
+              <a:t>Zustand</a:t>
+            </a:r>
+            <a:r>
+              <a:rPr lang="en-US" dirty="0"/>
+              <a:t> strikes a great balance between flexibility and performance, making it a valuable tool in the React ecosystem.</a:t>
+            </a:r>
           </a:p>
         </p:txBody>
       </p:sp>
@@ -1726,6 +1994,11 @@
 <file path=ppt/slideMasters/slideMaster1.xml><?xml version="1.0" encoding="utf-8"?>
 <p:sldMaster xmlns:a="http://schemas.openxmlformats.org/drawingml/2006/main" xmlns:r="http://schemas.openxmlformats.org/officeDocument/2006/relationships" xmlns:p="http://schemas.openxmlformats.org/presentationml/2006/main">
   <p:cSld>
+    <p:bg>
+      <p:bgRef idx="1001">
+        <a:schemeClr val="bg1"/>
+      </p:bgRef>
+    </p:bg>
     <p:spTree>
       <p:nvGrpSpPr>
         <p:cNvPr id="1" name=""/>
@@ -2027,14 +2300,14 @@
       </p:grpSpPr>
       <p:pic>
         <p:nvPicPr>
-          <p:cNvPr id="2" name="Image 0" descr="preencoded.png">    </p:cNvPr>
+          <p:cNvPr id="2" name="Image 0" descr="preencoded.png"/>
           <p:cNvPicPr>
             <a:picLocks noChangeAspect="1"/>
           </p:cNvPicPr>
           <p:nvPr/>
         </p:nvPicPr>
         <p:blipFill>
-          <a:blip r:embed="rId1"/>
+          <a:blip r:embed="rId3"/>
           <a:stretch>
             <a:fillRect/>
           </a:stretch>
@@ -2057,8 +2330,8 @@
         </p:nvSpPr>
         <p:spPr>
           <a:xfrm>
-            <a:off x="6350437" y="2611517"/>
-            <a:ext cx="7415927" cy="2241233"/>
+            <a:off x="6172200" y="3146849"/>
+            <a:ext cx="7772400" cy="2241233"/>
           </a:xfrm>
           <a:prstGeom prst="rect">
             <a:avLst/>
@@ -2070,7 +2343,7 @@
           <a:bodyPr wrap="square" lIns="0" tIns="0" rIns="0" bIns="0" rtlCol="0" anchor="t"/>
           <a:lstStyle/>
           <a:p>
-            <a:pPr indent="0" marL="0">
+            <a:pPr marL="0" indent="0">
               <a:lnSpc>
                 <a:spcPts val="8800"/>
               </a:lnSpc>
@@ -2112,7 +2385,7 @@
           <a:bodyPr wrap="none" lIns="0" tIns="0" rIns="0" bIns="0" rtlCol="0" anchor="t"/>
           <a:lstStyle/>
           <a:p>
-            <a:pPr indent="0" marL="0">
+            <a:pPr marL="0" indent="0">
               <a:lnSpc>
                 <a:spcPts val="3100"/>
               </a:lnSpc>
@@ -2122,6 +2395,39 @@
           </a:p>
         </p:txBody>
       </p:sp>
+      <p:pic>
+        <p:nvPicPr>
+          <p:cNvPr id="6" name="Picture 5">
+            <a:extLst>
+              <a:ext uri="{FF2B5EF4-FFF2-40B4-BE49-F238E27FC236}">
+                <a16:creationId xmlns:a16="http://schemas.microsoft.com/office/drawing/2014/main" id="{58D2B909-CA65-3B4E-4C18-3B3AA22D93DB}"/>
+              </a:ext>
+              <a:ext uri="{C183D7F6-B498-43B3-948B-1728B52AA6E4}">
+                <adec:decorative xmlns:adec="http://schemas.microsoft.com/office/drawing/2017/decorative" val="0"/>
+              </a:ext>
+            </a:extLst>
+          </p:cNvPr>
+          <p:cNvPicPr>
+            <a:picLocks noChangeAspect="1"/>
+          </p:cNvPicPr>
+          <p:nvPr/>
+        </p:nvPicPr>
+        <p:blipFill>
+          <a:blip r:embed="rId4"/>
+          <a:stretch>
+            <a:fillRect/>
+          </a:stretch>
+        </p:blipFill>
+        <p:spPr>
+          <a:xfrm>
+            <a:off x="-831356" y="1616277"/>
+            <a:ext cx="7772400" cy="4537138"/>
+          </a:xfrm>
+          <a:prstGeom prst="rect">
+            <a:avLst/>
+          </a:prstGeom>
+        </p:spPr>
+      </p:pic>
     </p:spTree>
   </p:cSld>
   <p:clrMapOvr>
@@ -2147,54 +2453,6 @@
           <a:chExt cx="0" cy="0"/>
         </a:xfrm>
       </p:grpSpPr>
-      <p:pic>
-        <p:nvPicPr>
-          <p:cNvPr id="2" name="Image 0" descr="preencoded.png">    </p:cNvPr>
-          <p:cNvPicPr>
-            <a:picLocks noChangeAspect="1"/>
-          </p:cNvPicPr>
-          <p:nvPr/>
-        </p:nvPicPr>
-        <p:blipFill>
-          <a:blip r:embed="rId1"/>
-          <a:stretch>
-            <a:fillRect/>
-          </a:stretch>
-        </p:blipFill>
-        <p:spPr>
-          <a:xfrm>
-            <a:off x="0" y="0"/>
-            <a:ext cx="5486400" cy="8229600"/>
-          </a:xfrm>
-          <a:prstGeom prst="rect">
-            <a:avLst/>
-          </a:prstGeom>
-        </p:spPr>
-      </p:pic>
-      <p:pic>
-        <p:nvPicPr>
-          <p:cNvPr id="3" name="Image 1" descr="preencoded.png">    </p:cNvPr>
-          <p:cNvPicPr>
-            <a:picLocks noChangeAspect="1"/>
-          </p:cNvPicPr>
-          <p:nvPr/>
-        </p:nvPicPr>
-        <p:blipFill>
-          <a:blip r:embed="rId2"/>
-          <a:stretch>
-            <a:fillRect/>
-          </a:stretch>
-        </p:blipFill>
-        <p:spPr>
-          <a:xfrm>
-            <a:off x="308610" y="2706767"/>
-            <a:ext cx="4869061" cy="2815947"/>
-          </a:xfrm>
-          <a:prstGeom prst="rect">
-            <a:avLst/>
-          </a:prstGeom>
-        </p:spPr>
-      </p:pic>
       <p:sp>
         <p:nvSpPr>
           <p:cNvPr id="4" name="Text 0"/>
@@ -2203,7 +2461,7 @@
         </p:nvSpPr>
         <p:spPr>
           <a:xfrm>
-            <a:off x="6350437" y="914995"/>
+            <a:off x="7315200" y="930760"/>
             <a:ext cx="6497003" cy="812125"/>
           </a:xfrm>
           <a:prstGeom prst="rect">
@@ -2216,7 +2474,7 @@
           <a:bodyPr wrap="none" lIns="0" tIns="0" rIns="0" bIns="0" rtlCol="0" anchor="t"/>
           <a:lstStyle/>
           <a:p>
-            <a:pPr indent="0" marL="0">
+            <a:pPr marL="0" indent="0">
               <a:lnSpc>
                 <a:spcPts val="6350"/>
               </a:lnSpc>
@@ -2245,7 +2503,7 @@
         </p:nvSpPr>
         <p:spPr>
           <a:xfrm>
-            <a:off x="6705481" y="2097405"/>
+            <a:off x="7670244" y="2113170"/>
             <a:ext cx="30480" cy="5217081"/>
           </a:xfrm>
           <a:prstGeom prst="roundRect">
@@ -2258,6 +2516,13 @@
           </a:solidFill>
           <a:ln/>
         </p:spPr>
+        <p:txBody>
+          <a:bodyPr/>
+          <a:lstStyle/>
+          <a:p>
+            <a:endParaRPr lang="en-BR"/>
+          </a:p>
+        </p:txBody>
       </p:sp>
       <p:sp>
         <p:nvSpPr>
@@ -2267,7 +2532,7 @@
         </p:nvSpPr>
         <p:spPr>
           <a:xfrm>
-            <a:off x="6967954" y="2637473"/>
+            <a:off x="7932717" y="2653238"/>
             <a:ext cx="864037" cy="30480"/>
           </a:xfrm>
           <a:prstGeom prst="roundRect">
@@ -2280,6 +2545,13 @@
           </a:solidFill>
           <a:ln/>
         </p:spPr>
+        <p:txBody>
+          <a:bodyPr/>
+          <a:lstStyle/>
+          <a:p>
+            <a:endParaRPr lang="en-BR"/>
+          </a:p>
+        </p:txBody>
       </p:sp>
       <p:sp>
         <p:nvSpPr>
@@ -2289,7 +2561,7 @@
         </p:nvSpPr>
         <p:spPr>
           <a:xfrm>
-            <a:off x="6443008" y="2375059"/>
+            <a:off x="7407771" y="2390824"/>
             <a:ext cx="555427" cy="555427"/>
           </a:xfrm>
           <a:prstGeom prst="roundRect">
@@ -2302,13 +2574,20 @@
           </a:solidFill>
           <a:ln/>
           <a:effectLst>
-            <a:outerShdw sx="100000" sy="100000" kx="0" ky="0" algn="bl" rotWithShape="0" blurRad="60960" dist="30480" dir="13500000">
-              <a:srgbClr val="ffffff">
+            <a:outerShdw blurRad="60960" dist="30480" dir="13500000" algn="bl" rotWithShape="0">
+              <a:srgbClr val="FFFFFF">
                 <a:alpha val="10000"/>
               </a:srgbClr>
             </a:outerShdw>
           </a:effectLst>
         </p:spPr>
+        <p:txBody>
+          <a:bodyPr/>
+          <a:lstStyle/>
+          <a:p>
+            <a:endParaRPr lang="en-BR"/>
+          </a:p>
+        </p:txBody>
       </p:sp>
       <p:sp>
         <p:nvSpPr>
@@ -2318,7 +2597,7 @@
         </p:nvSpPr>
         <p:spPr>
           <a:xfrm>
-            <a:off x="6651724" y="2457807"/>
+            <a:off x="7616487" y="2473572"/>
             <a:ext cx="137993" cy="389811"/>
           </a:xfrm>
           <a:prstGeom prst="rect">
@@ -2331,7 +2610,7 @@
           <a:bodyPr wrap="none" lIns="0" tIns="0" rIns="0" bIns="0" rtlCol="0" anchor="t"/>
           <a:lstStyle/>
           <a:p>
-            <a:pPr algn="ctr" indent="0" marL="0">
+            <a:pPr marL="0" indent="0" algn="ctr">
               <a:lnSpc>
                 <a:spcPts val="3050"/>
               </a:lnSpc>
@@ -2360,7 +2639,7 @@
         </p:nvSpPr>
         <p:spPr>
           <a:xfrm>
-            <a:off x="8078510" y="2344222"/>
+            <a:off x="9043273" y="2359987"/>
             <a:ext cx="3248501" cy="406003"/>
           </a:xfrm>
           <a:prstGeom prst="rect">
@@ -2373,7 +2652,7 @@
           <a:bodyPr wrap="none" lIns="0" tIns="0" rIns="0" bIns="0" rtlCol="0" anchor="t"/>
           <a:lstStyle/>
           <a:p>
-            <a:pPr algn="l" indent="0" marL="0">
+            <a:pPr marL="0" indent="0" algn="l">
               <a:lnSpc>
                 <a:spcPts val="3150"/>
               </a:lnSpc>
@@ -2402,7 +2681,7 @@
         </p:nvSpPr>
         <p:spPr>
           <a:xfrm>
-            <a:off x="8078510" y="2898338"/>
+            <a:off x="9043273" y="2914103"/>
             <a:ext cx="5687854" cy="395049"/>
           </a:xfrm>
           <a:prstGeom prst="rect">
@@ -2415,7 +2694,7 @@
           <a:bodyPr wrap="none" lIns="0" tIns="0" rIns="0" bIns="0" rtlCol="0" anchor="t"/>
           <a:lstStyle/>
           <a:p>
-            <a:pPr algn="l" indent="0" marL="0">
+            <a:pPr marL="0" indent="0" algn="l">
               <a:lnSpc>
                 <a:spcPts val="3100"/>
               </a:lnSpc>
@@ -2444,7 +2723,7 @@
         </p:nvSpPr>
         <p:spPr>
           <a:xfrm>
-            <a:off x="6967954" y="4327088"/>
+            <a:off x="7932717" y="4342853"/>
             <a:ext cx="864037" cy="30480"/>
           </a:xfrm>
           <a:prstGeom prst="roundRect">
@@ -2457,6 +2736,13 @@
           </a:solidFill>
           <a:ln/>
         </p:spPr>
+        <p:txBody>
+          <a:bodyPr/>
+          <a:lstStyle/>
+          <a:p>
+            <a:endParaRPr lang="en-BR"/>
+          </a:p>
+        </p:txBody>
       </p:sp>
       <p:sp>
         <p:nvSpPr>
@@ -2466,7 +2752,7 @@
         </p:nvSpPr>
         <p:spPr>
           <a:xfrm>
-            <a:off x="6443008" y="4064675"/>
+            <a:off x="7407771" y="4080440"/>
             <a:ext cx="555427" cy="555427"/>
           </a:xfrm>
           <a:prstGeom prst="roundRect">
@@ -2479,13 +2765,20 @@
           </a:solidFill>
           <a:ln/>
           <a:effectLst>
-            <a:outerShdw sx="100000" sy="100000" kx="0" ky="0" algn="bl" rotWithShape="0" blurRad="60960" dist="30480" dir="13500000">
-              <a:srgbClr val="ffffff">
+            <a:outerShdw blurRad="60960" dist="30480" dir="13500000" algn="bl" rotWithShape="0">
+              <a:srgbClr val="FFFFFF">
                 <a:alpha val="10000"/>
               </a:srgbClr>
             </a:outerShdw>
           </a:effectLst>
         </p:spPr>
+        <p:txBody>
+          <a:bodyPr/>
+          <a:lstStyle/>
+          <a:p>
+            <a:endParaRPr lang="en-BR"/>
+          </a:p>
+        </p:txBody>
       </p:sp>
       <p:sp>
         <p:nvSpPr>
@@ -2495,7 +2788,7 @@
         </p:nvSpPr>
         <p:spPr>
           <a:xfrm>
-            <a:off x="6611600" y="4147423"/>
+            <a:off x="7576363" y="4163188"/>
             <a:ext cx="218242" cy="389811"/>
           </a:xfrm>
           <a:prstGeom prst="rect">
@@ -2508,7 +2801,7 @@
           <a:bodyPr wrap="none" lIns="0" tIns="0" rIns="0" bIns="0" rtlCol="0" anchor="t"/>
           <a:lstStyle/>
           <a:p>
-            <a:pPr algn="ctr" indent="0" marL="0">
+            <a:pPr marL="0" indent="0" algn="ctr">
               <a:lnSpc>
                 <a:spcPts val="3050"/>
               </a:lnSpc>
@@ -2537,7 +2830,7 @@
         </p:nvSpPr>
         <p:spPr>
           <a:xfrm>
-            <a:off x="8078510" y="4033838"/>
+            <a:off x="9043273" y="4049603"/>
             <a:ext cx="3248501" cy="406003"/>
           </a:xfrm>
           <a:prstGeom prst="rect">
@@ -2550,7 +2843,7 @@
           <a:bodyPr wrap="none" lIns="0" tIns="0" rIns="0" bIns="0" rtlCol="0" anchor="t"/>
           <a:lstStyle/>
           <a:p>
-            <a:pPr algn="l" indent="0" marL="0">
+            <a:pPr marL="0" indent="0" algn="l">
               <a:lnSpc>
                 <a:spcPts val="3150"/>
               </a:lnSpc>
@@ -2579,7 +2872,7 @@
         </p:nvSpPr>
         <p:spPr>
           <a:xfrm>
-            <a:off x="8078510" y="4587954"/>
+            <a:off x="9043273" y="4603719"/>
             <a:ext cx="5687854" cy="790099"/>
           </a:xfrm>
           <a:prstGeom prst="rect">
@@ -2592,7 +2885,7 @@
           <a:bodyPr wrap="square" lIns="0" tIns="0" rIns="0" bIns="0" rtlCol="0" anchor="t"/>
           <a:lstStyle/>
           <a:p>
-            <a:pPr algn="l" indent="0" marL="0">
+            <a:pPr marL="0" indent="0" algn="l">
               <a:lnSpc>
                 <a:spcPts val="3100"/>
               </a:lnSpc>
@@ -2621,7 +2914,7 @@
         </p:nvSpPr>
         <p:spPr>
           <a:xfrm>
-            <a:off x="6967954" y="6411754"/>
+            <a:off x="7932717" y="6427519"/>
             <a:ext cx="864037" cy="30480"/>
           </a:xfrm>
           <a:prstGeom prst="roundRect">
@@ -2634,6 +2927,13 @@
           </a:solidFill>
           <a:ln/>
         </p:spPr>
+        <p:txBody>
+          <a:bodyPr/>
+          <a:lstStyle/>
+          <a:p>
+            <a:endParaRPr lang="en-BR"/>
+          </a:p>
+        </p:txBody>
       </p:sp>
       <p:sp>
         <p:nvSpPr>
@@ -2643,7 +2943,7 @@
         </p:nvSpPr>
         <p:spPr>
           <a:xfrm>
-            <a:off x="6443008" y="6149340"/>
+            <a:off x="7407771" y="6165105"/>
             <a:ext cx="555427" cy="555427"/>
           </a:xfrm>
           <a:prstGeom prst="roundRect">
@@ -2656,13 +2956,20 @@
           </a:solidFill>
           <a:ln/>
           <a:effectLst>
-            <a:outerShdw sx="100000" sy="100000" kx="0" ky="0" algn="bl" rotWithShape="0" blurRad="60960" dist="30480" dir="13500000">
-              <a:srgbClr val="ffffff">
+            <a:outerShdw blurRad="60960" dist="30480" dir="13500000" algn="bl" rotWithShape="0">
+              <a:srgbClr val="FFFFFF">
                 <a:alpha val="10000"/>
               </a:srgbClr>
             </a:outerShdw>
           </a:effectLst>
         </p:spPr>
+        <p:txBody>
+          <a:bodyPr/>
+          <a:lstStyle/>
+          <a:p>
+            <a:endParaRPr lang="en-BR"/>
+          </a:p>
+        </p:txBody>
       </p:sp>
       <p:sp>
         <p:nvSpPr>
@@ -2672,7 +2979,7 @@
         </p:nvSpPr>
         <p:spPr>
           <a:xfrm>
-            <a:off x="6615410" y="6232088"/>
+            <a:off x="7580173" y="6247853"/>
             <a:ext cx="210503" cy="389811"/>
           </a:xfrm>
           <a:prstGeom prst="rect">
@@ -2685,7 +2992,7 @@
           <a:bodyPr wrap="none" lIns="0" tIns="0" rIns="0" bIns="0" rtlCol="0" anchor="t"/>
           <a:lstStyle/>
           <a:p>
-            <a:pPr algn="ctr" indent="0" marL="0">
+            <a:pPr marL="0" indent="0" algn="ctr">
               <a:lnSpc>
                 <a:spcPts val="3050"/>
               </a:lnSpc>
@@ -2714,7 +3021,7 @@
         </p:nvSpPr>
         <p:spPr>
           <a:xfrm>
-            <a:off x="8078510" y="6118503"/>
+            <a:off x="9043273" y="6134268"/>
             <a:ext cx="3248501" cy="406003"/>
           </a:xfrm>
           <a:prstGeom prst="rect">
@@ -2727,7 +3034,7 @@
           <a:bodyPr wrap="none" lIns="0" tIns="0" rIns="0" bIns="0" rtlCol="0" anchor="t"/>
           <a:lstStyle/>
           <a:p>
-            <a:pPr algn="l" indent="0" marL="0">
+            <a:pPr marL="0" indent="0" algn="l">
               <a:lnSpc>
                 <a:spcPts val="3150"/>
               </a:lnSpc>
@@ -2756,7 +3063,7 @@
         </p:nvSpPr>
         <p:spPr>
           <a:xfrm>
-            <a:off x="8078510" y="6672620"/>
+            <a:off x="9043273" y="6688385"/>
             <a:ext cx="5687854" cy="395049"/>
           </a:xfrm>
           <a:prstGeom prst="rect">
@@ -2769,7 +3076,7 @@
           <a:bodyPr wrap="none" lIns="0" tIns="0" rIns="0" bIns="0" rtlCol="0" anchor="t"/>
           <a:lstStyle/>
           <a:p>
-            <a:pPr algn="l" indent="0" marL="0">
+            <a:pPr marL="0" indent="0" algn="l">
               <a:lnSpc>
                 <a:spcPts val="3100"/>
               </a:lnSpc>
@@ -2790,6 +3097,36 @@
           </a:p>
         </p:txBody>
       </p:sp>
+      <p:pic>
+        <p:nvPicPr>
+          <p:cNvPr id="22" name="Picture 21" descr="A computer screen shot of a program code&#10;&#10;Description automatically generated">
+            <a:extLst>
+              <a:ext uri="{FF2B5EF4-FFF2-40B4-BE49-F238E27FC236}">
+                <a16:creationId xmlns:a16="http://schemas.microsoft.com/office/drawing/2014/main" id="{823C5936-9E3D-A798-4D11-8E3CA8196719}"/>
+              </a:ext>
+            </a:extLst>
+          </p:cNvPr>
+          <p:cNvPicPr>
+            <a:picLocks noChangeAspect="1"/>
+          </p:cNvPicPr>
+          <p:nvPr/>
+        </p:nvPicPr>
+        <p:blipFill>
+          <a:blip r:embed="rId3"/>
+          <a:stretch>
+            <a:fillRect/>
+          </a:stretch>
+        </p:blipFill>
+        <p:spPr>
+          <a:xfrm>
+            <a:off x="-412553" y="1305044"/>
+            <a:ext cx="8167033" cy="5821183"/>
+          </a:xfrm>
+          <a:prstGeom prst="rect">
+            <a:avLst/>
+          </a:prstGeom>
+        </p:spPr>
+      </p:pic>
     </p:spTree>
   </p:cSld>
   <p:clrMapOvr>
@@ -2836,7 +3173,7 @@
           <a:bodyPr wrap="none" lIns="0" tIns="0" rIns="0" bIns="0" rtlCol="0" anchor="t"/>
           <a:lstStyle/>
           <a:p>
-            <a:pPr indent="0" marL="0">
+            <a:pPr marL="0" indent="0">
               <a:lnSpc>
                 <a:spcPts val="6350"/>
               </a:lnSpc>
@@ -2878,7 +3215,7 @@
           <a:bodyPr wrap="none" lIns="0" tIns="0" rIns="0" bIns="0" rtlCol="0" anchor="t"/>
           <a:lstStyle/>
           <a:p>
-            <a:pPr indent="0" marL="0">
+            <a:pPr marL="0" indent="0">
               <a:lnSpc>
                 <a:spcPts val="3150"/>
               </a:lnSpc>
@@ -2920,7 +3257,7 @@
           <a:bodyPr wrap="square" lIns="0" tIns="0" rIns="0" bIns="0" rtlCol="0" anchor="t"/>
           <a:lstStyle/>
           <a:p>
-            <a:pPr indent="0" marL="0">
+            <a:pPr marL="0" indent="0">
               <a:lnSpc>
                 <a:spcPts val="3100"/>
               </a:lnSpc>
@@ -2962,7 +3299,7 @@
           <a:bodyPr wrap="none" lIns="0" tIns="0" rIns="0" bIns="0" rtlCol="0" anchor="t"/>
           <a:lstStyle/>
           <a:p>
-            <a:pPr indent="0" marL="0">
+            <a:pPr marL="0" indent="0">
               <a:lnSpc>
                 <a:spcPts val="3150"/>
               </a:lnSpc>
@@ -3004,7 +3341,7 @@
           <a:bodyPr wrap="square" lIns="0" tIns="0" rIns="0" bIns="0" rtlCol="0" anchor="t"/>
           <a:lstStyle/>
           <a:p>
-            <a:pPr indent="0" marL="0">
+            <a:pPr marL="0" indent="0">
               <a:lnSpc>
                 <a:spcPts val="3100"/>
               </a:lnSpc>
@@ -3046,7 +3383,7 @@
           <a:bodyPr wrap="none" lIns="0" tIns="0" rIns="0" bIns="0" rtlCol="0" anchor="t"/>
           <a:lstStyle/>
           <a:p>
-            <a:pPr indent="0" marL="0">
+            <a:pPr marL="0" indent="0">
               <a:lnSpc>
                 <a:spcPts val="3150"/>
               </a:lnSpc>
@@ -3088,7 +3425,7 @@
           <a:bodyPr wrap="square" lIns="0" tIns="0" rIns="0" bIns="0" rtlCol="0" anchor="t"/>
           <a:lstStyle/>
           <a:p>
-            <a:pPr indent="0" marL="0">
+            <a:pPr marL="0" indent="0">
               <a:lnSpc>
                 <a:spcPts val="3100"/>
               </a:lnSpc>
@@ -3155,7 +3492,7 @@
           <a:bodyPr wrap="none" lIns="0" tIns="0" rIns="0" bIns="0" rtlCol="0" anchor="t"/>
           <a:lstStyle/>
           <a:p>
-            <a:pPr indent="0" marL="0">
+            <a:pPr marL="0" indent="0">
               <a:lnSpc>
                 <a:spcPts val="6350"/>
               </a:lnSpc>
@@ -3197,13 +3534,20 @@
           </a:solidFill>
           <a:ln/>
           <a:effectLst>
-            <a:outerShdw sx="100000" sy="100000" kx="0" ky="0" algn="bl" rotWithShape="0" blurRad="60960" dist="30480" dir="13500000">
-              <a:srgbClr val="ffffff">
+            <a:outerShdw blurRad="60960" dist="30480" dir="13500000" algn="bl" rotWithShape="0">
+              <a:srgbClr val="FFFFFF">
                 <a:alpha val="10000"/>
               </a:srgbClr>
             </a:outerShdw>
           </a:effectLst>
         </p:spPr>
+        <p:txBody>
+          <a:bodyPr/>
+          <a:lstStyle/>
+          <a:p>
+            <a:endParaRPr lang="en-BR"/>
+          </a:p>
+        </p:txBody>
       </p:sp>
       <p:sp>
         <p:nvSpPr>
@@ -3226,7 +3570,7 @@
           <a:bodyPr wrap="none" lIns="0" tIns="0" rIns="0" bIns="0" rtlCol="0" anchor="t"/>
           <a:lstStyle/>
           <a:p>
-            <a:pPr algn="ctr" indent="0" marL="0">
+            <a:pPr marL="0" indent="0" algn="ctr">
               <a:lnSpc>
                 <a:spcPts val="3050"/>
               </a:lnSpc>
@@ -3268,7 +3612,7 @@
           <a:bodyPr wrap="none" lIns="0" tIns="0" rIns="0" bIns="0" rtlCol="0" anchor="t"/>
           <a:lstStyle/>
           <a:p>
-            <a:pPr indent="0" marL="0">
+            <a:pPr marL="0" indent="0">
               <a:lnSpc>
                 <a:spcPts val="3150"/>
               </a:lnSpc>
@@ -3310,7 +3654,7 @@
           <a:bodyPr wrap="square" lIns="0" tIns="0" rIns="0" bIns="0" rtlCol="0" anchor="t"/>
           <a:lstStyle/>
           <a:p>
-            <a:pPr indent="0" marL="0">
+            <a:pPr marL="0" indent="0">
               <a:lnSpc>
                 <a:spcPts val="3100"/>
               </a:lnSpc>
@@ -3352,13 +3696,20 @@
           </a:solidFill>
           <a:ln/>
           <a:effectLst>
-            <a:outerShdw sx="100000" sy="100000" kx="0" ky="0" algn="bl" rotWithShape="0" blurRad="60960" dist="30480" dir="13500000">
-              <a:srgbClr val="ffffff">
+            <a:outerShdw blurRad="60960" dist="30480" dir="13500000" algn="bl" rotWithShape="0">
+              <a:srgbClr val="FFFFFF">
                 <a:alpha val="10000"/>
               </a:srgbClr>
             </a:outerShdw>
           </a:effectLst>
         </p:spPr>
+        <p:txBody>
+          <a:bodyPr/>
+          <a:lstStyle/>
+          <a:p>
+            <a:endParaRPr lang="en-BR"/>
+          </a:p>
+        </p:txBody>
       </p:sp>
       <p:sp>
         <p:nvSpPr>
@@ -3381,7 +3732,7 @@
           <a:bodyPr wrap="none" lIns="0" tIns="0" rIns="0" bIns="0" rtlCol="0" anchor="t"/>
           <a:lstStyle/>
           <a:p>
-            <a:pPr algn="ctr" indent="0" marL="0">
+            <a:pPr marL="0" indent="0" algn="ctr">
               <a:lnSpc>
                 <a:spcPts val="3050"/>
               </a:lnSpc>
@@ -3423,7 +3774,7 @@
           <a:bodyPr wrap="none" lIns="0" tIns="0" rIns="0" bIns="0" rtlCol="0" anchor="t"/>
           <a:lstStyle/>
           <a:p>
-            <a:pPr indent="0" marL="0">
+            <a:pPr marL="0" indent="0">
               <a:lnSpc>
                 <a:spcPts val="3150"/>
               </a:lnSpc>
@@ -3465,7 +3816,7 @@
           <a:bodyPr wrap="none" lIns="0" tIns="0" rIns="0" bIns="0" rtlCol="0" anchor="t"/>
           <a:lstStyle/>
           <a:p>
-            <a:pPr indent="0" marL="0">
+            <a:pPr marL="0" indent="0">
               <a:lnSpc>
                 <a:spcPts val="3100"/>
               </a:lnSpc>
@@ -3507,13 +3858,20 @@
           </a:solidFill>
           <a:ln/>
           <a:effectLst>
-            <a:outerShdw sx="100000" sy="100000" kx="0" ky="0" algn="bl" rotWithShape="0" blurRad="60960" dist="30480" dir="13500000">
-              <a:srgbClr val="ffffff">
+            <a:outerShdw blurRad="60960" dist="30480" dir="13500000" algn="bl" rotWithShape="0">
+              <a:srgbClr val="FFFFFF">
                 <a:alpha val="10000"/>
               </a:srgbClr>
             </a:outerShdw>
           </a:effectLst>
         </p:spPr>
+        <p:txBody>
+          <a:bodyPr/>
+          <a:lstStyle/>
+          <a:p>
+            <a:endParaRPr lang="en-BR"/>
+          </a:p>
+        </p:txBody>
       </p:sp>
       <p:sp>
         <p:nvSpPr>
@@ -3536,7 +3894,7 @@
           <a:bodyPr wrap="none" lIns="0" tIns="0" rIns="0" bIns="0" rtlCol="0" anchor="t"/>
           <a:lstStyle/>
           <a:p>
-            <a:pPr algn="ctr" indent="0" marL="0">
+            <a:pPr marL="0" indent="0" algn="ctr">
               <a:lnSpc>
                 <a:spcPts val="3050"/>
               </a:lnSpc>
@@ -3578,7 +3936,7 @@
           <a:bodyPr wrap="none" lIns="0" tIns="0" rIns="0" bIns="0" rtlCol="0" anchor="t"/>
           <a:lstStyle/>
           <a:p>
-            <a:pPr indent="0" marL="0">
+            <a:pPr marL="0" indent="0">
               <a:lnSpc>
                 <a:spcPts val="3150"/>
               </a:lnSpc>
@@ -3620,7 +3978,7 @@
           <a:bodyPr wrap="square" lIns="0" tIns="0" rIns="0" bIns="0" rtlCol="0" anchor="t"/>
           <a:lstStyle/>
           <a:p>
-            <a:pPr indent="0" marL="0">
+            <a:pPr marL="0" indent="0">
               <a:lnSpc>
                 <a:spcPts val="3100"/>
               </a:lnSpc>
@@ -3662,13 +4020,20 @@
           </a:solidFill>
           <a:ln/>
           <a:effectLst>
-            <a:outerShdw sx="100000" sy="100000" kx="0" ky="0" algn="bl" rotWithShape="0" blurRad="60960" dist="30480" dir="13500000">
-              <a:srgbClr val="ffffff">
+            <a:outerShdw blurRad="60960" dist="30480" dir="13500000" algn="bl" rotWithShape="0">
+              <a:srgbClr val="FFFFFF">
                 <a:alpha val="10000"/>
               </a:srgbClr>
             </a:outerShdw>
           </a:effectLst>
         </p:spPr>
+        <p:txBody>
+          <a:bodyPr/>
+          <a:lstStyle/>
+          <a:p>
+            <a:endParaRPr lang="en-BR"/>
+          </a:p>
+        </p:txBody>
       </p:sp>
       <p:sp>
         <p:nvSpPr>
@@ -3691,7 +4056,7 @@
           <a:bodyPr wrap="none" lIns="0" tIns="0" rIns="0" bIns="0" rtlCol="0" anchor="t"/>
           <a:lstStyle/>
           <a:p>
-            <a:pPr algn="ctr" indent="0" marL="0">
+            <a:pPr marL="0" indent="0" algn="ctr">
               <a:lnSpc>
                 <a:spcPts val="3050"/>
               </a:lnSpc>
@@ -3733,7 +4098,7 @@
           <a:bodyPr wrap="none" lIns="0" tIns="0" rIns="0" bIns="0" rtlCol="0" anchor="t"/>
           <a:lstStyle/>
           <a:p>
-            <a:pPr indent="0" marL="0">
+            <a:pPr marL="0" indent="0">
               <a:lnSpc>
                 <a:spcPts val="3150"/>
               </a:lnSpc>
@@ -3775,7 +4140,7 @@
           <a:bodyPr wrap="none" lIns="0" tIns="0" rIns="0" bIns="0" rtlCol="0" anchor="t"/>
           <a:lstStyle/>
           <a:p>
-            <a:pPr indent="0" marL="0">
+            <a:pPr marL="0" indent="0">
               <a:lnSpc>
                 <a:spcPts val="3100"/>
               </a:lnSpc>
@@ -3842,7 +4207,7 @@
           <a:bodyPr wrap="none" lIns="0" tIns="0" rIns="0" bIns="0" rtlCol="0" anchor="t"/>
           <a:lstStyle/>
           <a:p>
-            <a:pPr indent="0" marL="0">
+            <a:pPr marL="0" indent="0">
               <a:lnSpc>
                 <a:spcPts val="6350"/>
               </a:lnSpc>
@@ -3884,13 +4249,20 @@
           </a:solidFill>
           <a:ln/>
           <a:effectLst>
-            <a:outerShdw sx="100000" sy="100000" kx="0" ky="0" algn="bl" rotWithShape="0" blurRad="60960" dist="30480" dir="13500000">
-              <a:srgbClr val="ffffff">
+            <a:outerShdw blurRad="60960" dist="30480" dir="13500000" algn="bl" rotWithShape="0">
+              <a:srgbClr val="FFFFFF">
                 <a:alpha val="10000"/>
               </a:srgbClr>
             </a:outerShdw>
           </a:effectLst>
         </p:spPr>
+        <p:txBody>
+          <a:bodyPr/>
+          <a:lstStyle/>
+          <a:p>
+            <a:endParaRPr lang="en-BR"/>
+          </a:p>
+        </p:txBody>
       </p:sp>
       <p:sp>
         <p:nvSpPr>
@@ -3913,7 +4285,7 @@
           <a:bodyPr wrap="none" lIns="0" tIns="0" rIns="0" bIns="0" rtlCol="0" anchor="t"/>
           <a:lstStyle/>
           <a:p>
-            <a:pPr indent="0" marL="0">
+            <a:pPr marL="0" indent="0">
               <a:lnSpc>
                 <a:spcPts val="3150"/>
               </a:lnSpc>
@@ -3955,7 +4327,7 @@
           <a:bodyPr wrap="square" lIns="0" tIns="0" rIns="0" bIns="0" rtlCol="0" anchor="t"/>
           <a:lstStyle/>
           <a:p>
-            <a:pPr indent="0" marL="0">
+            <a:pPr marL="0" indent="0">
               <a:lnSpc>
                 <a:spcPts val="3100"/>
               </a:lnSpc>
@@ -3997,13 +4369,20 @@
           </a:solidFill>
           <a:ln/>
           <a:effectLst>
-            <a:outerShdw sx="100000" sy="100000" kx="0" ky="0" algn="bl" rotWithShape="0" blurRad="60960" dist="30480" dir="13500000">
-              <a:srgbClr val="ffffff">
+            <a:outerShdw blurRad="60960" dist="30480" dir="13500000" algn="bl" rotWithShape="0">
+              <a:srgbClr val="FFFFFF">
                 <a:alpha val="10000"/>
               </a:srgbClr>
             </a:outerShdw>
           </a:effectLst>
         </p:spPr>
+        <p:txBody>
+          <a:bodyPr/>
+          <a:lstStyle/>
+          <a:p>
+            <a:endParaRPr lang="en-BR"/>
+          </a:p>
+        </p:txBody>
       </p:sp>
       <p:sp>
         <p:nvSpPr>
@@ -4026,7 +4405,7 @@
           <a:bodyPr wrap="none" lIns="0" tIns="0" rIns="0" bIns="0" rtlCol="0" anchor="t"/>
           <a:lstStyle/>
           <a:p>
-            <a:pPr indent="0" marL="0">
+            <a:pPr marL="0" indent="0">
               <a:lnSpc>
                 <a:spcPts val="3150"/>
               </a:lnSpc>
@@ -4068,7 +4447,7 @@
           <a:bodyPr wrap="square" lIns="0" tIns="0" rIns="0" bIns="0" rtlCol="0" anchor="t"/>
           <a:lstStyle/>
           <a:p>
-            <a:pPr indent="0" marL="0">
+            <a:pPr marL="0" indent="0">
               <a:lnSpc>
                 <a:spcPts val="3100"/>
               </a:lnSpc>
@@ -4110,13 +4489,20 @@
           </a:solidFill>
           <a:ln/>
           <a:effectLst>
-            <a:outerShdw sx="100000" sy="100000" kx="0" ky="0" algn="bl" rotWithShape="0" blurRad="60960" dist="30480" dir="13500000">
-              <a:srgbClr val="ffffff">
+            <a:outerShdw blurRad="60960" dist="30480" dir="13500000" algn="bl" rotWithShape="0">
+              <a:srgbClr val="FFFFFF">
                 <a:alpha val="10000"/>
               </a:srgbClr>
             </a:outerShdw>
           </a:effectLst>
         </p:spPr>
+        <p:txBody>
+          <a:bodyPr/>
+          <a:lstStyle/>
+          <a:p>
+            <a:endParaRPr lang="en-BR"/>
+          </a:p>
+        </p:txBody>
       </p:sp>
       <p:sp>
         <p:nvSpPr>
@@ -4139,7 +4525,7 @@
           <a:bodyPr wrap="none" lIns="0" tIns="0" rIns="0" bIns="0" rtlCol="0" anchor="t"/>
           <a:lstStyle/>
           <a:p>
-            <a:pPr indent="0" marL="0">
+            <a:pPr marL="0" indent="0">
               <a:lnSpc>
                 <a:spcPts val="3150"/>
               </a:lnSpc>
@@ -4181,7 +4567,7 @@
           <a:bodyPr wrap="square" lIns="0" tIns="0" rIns="0" bIns="0" rtlCol="0" anchor="t"/>
           <a:lstStyle/>
           <a:p>
-            <a:pPr indent="0" marL="0">
+            <a:pPr marL="0" indent="0">
               <a:lnSpc>
                 <a:spcPts val="3100"/>
               </a:lnSpc>
@@ -4229,14 +4615,14 @@
       </p:grpSpPr>
       <p:pic>
         <p:nvPicPr>
-          <p:cNvPr id="2" name="Image 0" descr="preencoded.png">    </p:cNvPr>
+          <p:cNvPr id="2" name="Image 0" descr="preencoded.png"/>
           <p:cNvPicPr>
             <a:picLocks noChangeAspect="1"/>
           </p:cNvPicPr>
           <p:nvPr/>
         </p:nvPicPr>
         <p:blipFill>
-          <a:blip r:embed="rId1"/>
+          <a:blip r:embed="rId3"/>
           <a:stretch>
             <a:fillRect/>
           </a:stretch>
@@ -4272,7 +4658,7 @@
           <a:bodyPr wrap="none" lIns="0" tIns="0" rIns="0" bIns="0" rtlCol="0" anchor="t"/>
           <a:lstStyle/>
           <a:p>
-            <a:pPr indent="0" marL="0">
+            <a:pPr marL="0" indent="0">
               <a:lnSpc>
                 <a:spcPts val="6200"/>
               </a:lnSpc>
@@ -4295,14 +4681,14 @@
       </p:sp>
       <p:pic>
         <p:nvPicPr>
-          <p:cNvPr id="4" name="Image 1" descr="preencoded.png">    </p:cNvPr>
+          <p:cNvPr id="4" name="Image 1" descr="preencoded.png"/>
           <p:cNvPicPr>
             <a:picLocks noChangeAspect="1"/>
           </p:cNvPicPr>
           <p:nvPr/>
         </p:nvPicPr>
         <p:blipFill>
-          <a:blip r:embed="rId2"/>
+          <a:blip r:embed="rId4"/>
           <a:stretch>
             <a:fillRect/>
           </a:stretch>
@@ -4338,7 +4724,7 @@
           <a:bodyPr wrap="none" lIns="0" tIns="0" rIns="0" bIns="0" rtlCol="0" anchor="t"/>
           <a:lstStyle/>
           <a:p>
-            <a:pPr algn="l" indent="0" marL="0">
+            <a:pPr marL="0" indent="0" algn="l">
               <a:lnSpc>
                 <a:spcPts val="3100"/>
               </a:lnSpc>
@@ -4380,7 +4766,7 @@
           <a:bodyPr wrap="none" lIns="0" tIns="0" rIns="0" bIns="0" rtlCol="0" anchor="t"/>
           <a:lstStyle/>
           <a:p>
-            <a:pPr algn="l" indent="0" marL="0">
+            <a:pPr marL="0" indent="0" algn="l">
               <a:lnSpc>
                 <a:spcPts val="3000"/>
               </a:lnSpc>
@@ -4403,14 +4789,14 @@
       </p:sp>
       <p:pic>
         <p:nvPicPr>
-          <p:cNvPr id="7" name="Image 2" descr="preencoded.png">    </p:cNvPr>
+          <p:cNvPr id="7" name="Image 2" descr="preencoded.png"/>
           <p:cNvPicPr>
             <a:picLocks noChangeAspect="1"/>
           </p:cNvPicPr>
           <p:nvPr/>
         </p:nvPicPr>
         <p:blipFill>
-          <a:blip r:embed="rId3"/>
+          <a:blip r:embed="rId5"/>
           <a:stretch>
             <a:fillRect/>
           </a:stretch>
@@ -4446,7 +4832,7 @@
           <a:bodyPr wrap="none" lIns="0" tIns="0" rIns="0" bIns="0" rtlCol="0" anchor="t"/>
           <a:lstStyle/>
           <a:p>
-            <a:pPr algn="l" indent="0" marL="0">
+            <a:pPr marL="0" indent="0" algn="l">
               <a:lnSpc>
                 <a:spcPts val="3100"/>
               </a:lnSpc>
@@ -4488,7 +4874,7 @@
           <a:bodyPr wrap="none" lIns="0" tIns="0" rIns="0" bIns="0" rtlCol="0" anchor="t"/>
           <a:lstStyle/>
           <a:p>
-            <a:pPr algn="l" indent="0" marL="0">
+            <a:pPr marL="0" indent="0" algn="l">
               <a:lnSpc>
                 <a:spcPts val="3000"/>
               </a:lnSpc>
@@ -4511,14 +4897,14 @@
       </p:sp>
       <p:pic>
         <p:nvPicPr>
-          <p:cNvPr id="10" name="Image 3" descr="preencoded.png">    </p:cNvPr>
+          <p:cNvPr id="10" name="Image 3" descr="preencoded.png"/>
           <p:cNvPicPr>
             <a:picLocks noChangeAspect="1"/>
           </p:cNvPicPr>
           <p:nvPr/>
         </p:nvPicPr>
         <p:blipFill>
-          <a:blip r:embed="rId4"/>
+          <a:blip r:embed="rId6"/>
           <a:stretch>
             <a:fillRect/>
           </a:stretch>
@@ -4554,7 +4940,7 @@
           <a:bodyPr wrap="none" lIns="0" tIns="0" rIns="0" bIns="0" rtlCol="0" anchor="t"/>
           <a:lstStyle/>
           <a:p>
-            <a:pPr algn="l" indent="0" marL="0">
+            <a:pPr marL="0" indent="0" algn="l">
               <a:lnSpc>
                 <a:spcPts val="3100"/>
               </a:lnSpc>
@@ -4596,7 +4982,7 @@
           <a:bodyPr wrap="none" lIns="0" tIns="0" rIns="0" bIns="0" rtlCol="0" anchor="t"/>
           <a:lstStyle/>
           <a:p>
-            <a:pPr algn="l" indent="0" marL="0">
+            <a:pPr marL="0" indent="0" algn="l">
               <a:lnSpc>
                 <a:spcPts val="3000"/>
               </a:lnSpc>
@@ -4663,7 +5049,7 @@
           <a:bodyPr wrap="none" lIns="0" tIns="0" rIns="0" bIns="0" rtlCol="0" anchor="t"/>
           <a:lstStyle/>
           <a:p>
-            <a:pPr indent="0" marL="0">
+            <a:pPr marL="0" indent="0">
               <a:lnSpc>
                 <a:spcPts val="6350"/>
               </a:lnSpc>
@@ -4710,6 +5096,13 @@
             <a:prstDash val="solid"/>
           </a:ln>
         </p:spPr>
+        <p:txBody>
+          <a:bodyPr/>
+          <a:lstStyle/>
+          <a:p>
+            <a:endParaRPr lang="en-BR"/>
+          </a:p>
+        </p:txBody>
       </p:sp>
       <p:sp>
         <p:nvSpPr>
@@ -4732,6 +5125,13 @@
           </a:solidFill>
           <a:ln/>
         </p:spPr>
+        <p:txBody>
+          <a:bodyPr/>
+          <a:lstStyle/>
+          <a:p>
+            <a:endParaRPr lang="en-BR"/>
+          </a:p>
+        </p:txBody>
       </p:sp>
       <p:sp>
         <p:nvSpPr>
@@ -4754,7 +5154,7 @@
           <a:bodyPr wrap="none" lIns="0" tIns="0" rIns="0" bIns="0" rtlCol="0" anchor="t"/>
           <a:lstStyle/>
           <a:p>
-            <a:pPr indent="0" marL="0">
+            <a:pPr marL="0" indent="0">
               <a:lnSpc>
                 <a:spcPts val="3100"/>
               </a:lnSpc>
@@ -4796,7 +5196,7 @@
           <a:bodyPr wrap="none" lIns="0" tIns="0" rIns="0" bIns="0" rtlCol="0" anchor="t"/>
           <a:lstStyle/>
           <a:p>
-            <a:pPr indent="0" marL="0">
+            <a:pPr marL="0" indent="0">
               <a:lnSpc>
                 <a:spcPts val="3100"/>
               </a:lnSpc>
@@ -4838,7 +5238,7 @@
           <a:bodyPr wrap="none" lIns="0" tIns="0" rIns="0" bIns="0" rtlCol="0" anchor="t"/>
           <a:lstStyle/>
           <a:p>
-            <a:pPr indent="0" marL="0">
+            <a:pPr marL="0" indent="0">
               <a:lnSpc>
                 <a:spcPts val="3100"/>
               </a:lnSpc>
@@ -4880,7 +5280,7 @@
           <a:bodyPr wrap="none" lIns="0" tIns="0" rIns="0" bIns="0" rtlCol="0" anchor="t"/>
           <a:lstStyle/>
           <a:p>
-            <a:pPr indent="0" marL="0">
+            <a:pPr marL="0" indent="0">
               <a:lnSpc>
                 <a:spcPts val="3100"/>
               </a:lnSpc>
@@ -4922,6 +5322,13 @@
           </a:solidFill>
           <a:ln/>
         </p:spPr>
+        <p:txBody>
+          <a:bodyPr/>
+          <a:lstStyle/>
+          <a:p>
+            <a:endParaRPr lang="en-BR"/>
+          </a:p>
+        </p:txBody>
       </p:sp>
       <p:sp>
         <p:nvSpPr>
@@ -4944,7 +5351,7 @@
           <a:bodyPr wrap="none" lIns="0" tIns="0" rIns="0" bIns="0" rtlCol="0" anchor="t"/>
           <a:lstStyle/>
           <a:p>
-            <a:pPr indent="0" marL="0">
+            <a:pPr marL="0" indent="0">
               <a:lnSpc>
                 <a:spcPts val="3100"/>
               </a:lnSpc>
@@ -4986,7 +5393,7 @@
           <a:bodyPr wrap="none" lIns="0" tIns="0" rIns="0" bIns="0" rtlCol="0" anchor="t"/>
           <a:lstStyle/>
           <a:p>
-            <a:pPr indent="0" marL="0">
+            <a:pPr marL="0" indent="0">
               <a:lnSpc>
                 <a:spcPts val="3100"/>
               </a:lnSpc>
@@ -5028,7 +5435,7 @@
           <a:bodyPr wrap="none" lIns="0" tIns="0" rIns="0" bIns="0" rtlCol="0" anchor="t"/>
           <a:lstStyle/>
           <a:p>
-            <a:pPr indent="0" marL="0">
+            <a:pPr marL="0" indent="0">
               <a:lnSpc>
                 <a:spcPts val="3100"/>
               </a:lnSpc>
@@ -5070,7 +5477,7 @@
           <a:bodyPr wrap="none" lIns="0" tIns="0" rIns="0" bIns="0" rtlCol="0" anchor="t"/>
           <a:lstStyle/>
           <a:p>
-            <a:pPr indent="0" marL="0">
+            <a:pPr marL="0" indent="0">
               <a:lnSpc>
                 <a:spcPts val="3100"/>
               </a:lnSpc>
@@ -5112,6 +5519,13 @@
           </a:solidFill>
           <a:ln/>
         </p:spPr>
+        <p:txBody>
+          <a:bodyPr/>
+          <a:lstStyle/>
+          <a:p>
+            <a:endParaRPr lang="en-BR"/>
+          </a:p>
+        </p:txBody>
       </p:sp>
       <p:sp>
         <p:nvSpPr>
@@ -5134,7 +5548,7 @@
           <a:bodyPr wrap="none" lIns="0" tIns="0" rIns="0" bIns="0" rtlCol="0" anchor="t"/>
           <a:lstStyle/>
           <a:p>
-            <a:pPr indent="0" marL="0">
+            <a:pPr marL="0" indent="0">
               <a:lnSpc>
                 <a:spcPts val="3100"/>
               </a:lnSpc>
@@ -5176,7 +5590,7 @@
           <a:bodyPr wrap="none" lIns="0" tIns="0" rIns="0" bIns="0" rtlCol="0" anchor="t"/>
           <a:lstStyle/>
           <a:p>
-            <a:pPr indent="0" marL="0">
+            <a:pPr marL="0" indent="0">
               <a:lnSpc>
                 <a:spcPts val="3100"/>
               </a:lnSpc>
@@ -5218,7 +5632,7 @@
           <a:bodyPr wrap="none" lIns="0" tIns="0" rIns="0" bIns="0" rtlCol="0" anchor="t"/>
           <a:lstStyle/>
           <a:p>
-            <a:pPr indent="0" marL="0">
+            <a:pPr marL="0" indent="0">
               <a:lnSpc>
                 <a:spcPts val="3100"/>
               </a:lnSpc>
@@ -5260,7 +5674,7 @@
           <a:bodyPr wrap="none" lIns="0" tIns="0" rIns="0" bIns="0" rtlCol="0" anchor="t"/>
           <a:lstStyle/>
           <a:p>
-            <a:pPr indent="0" marL="0">
+            <a:pPr marL="0" indent="0">
               <a:lnSpc>
                 <a:spcPts val="3100"/>
               </a:lnSpc>
@@ -5302,6 +5716,13 @@
           </a:solidFill>
           <a:ln/>
         </p:spPr>
+        <p:txBody>
+          <a:bodyPr/>
+          <a:lstStyle/>
+          <a:p>
+            <a:endParaRPr lang="en-BR"/>
+          </a:p>
+        </p:txBody>
       </p:sp>
       <p:sp>
         <p:nvSpPr>
@@ -5324,7 +5745,7 @@
           <a:bodyPr wrap="none" lIns="0" tIns="0" rIns="0" bIns="0" rtlCol="0" anchor="t"/>
           <a:lstStyle/>
           <a:p>
-            <a:pPr indent="0" marL="0">
+            <a:pPr marL="0" indent="0">
               <a:lnSpc>
                 <a:spcPts val="3100"/>
               </a:lnSpc>
@@ -5366,7 +5787,7 @@
           <a:bodyPr wrap="none" lIns="0" tIns="0" rIns="0" bIns="0" rtlCol="0" anchor="t"/>
           <a:lstStyle/>
           <a:p>
-            <a:pPr indent="0" marL="0">
+            <a:pPr marL="0" indent="0">
               <a:lnSpc>
                 <a:spcPts val="3100"/>
               </a:lnSpc>
@@ -5408,7 +5829,7 @@
           <a:bodyPr wrap="none" lIns="0" tIns="0" rIns="0" bIns="0" rtlCol="0" anchor="t"/>
           <a:lstStyle/>
           <a:p>
-            <a:pPr indent="0" marL="0">
+            <a:pPr marL="0" indent="0">
               <a:lnSpc>
                 <a:spcPts val="3100"/>
               </a:lnSpc>
@@ -5450,7 +5871,7 @@
           <a:bodyPr wrap="none" lIns="0" tIns="0" rIns="0" bIns="0" rtlCol="0" anchor="t"/>
           <a:lstStyle/>
           <a:p>
-            <a:pPr indent="0" marL="0">
+            <a:pPr marL="0" indent="0">
               <a:lnSpc>
                 <a:spcPts val="3100"/>
               </a:lnSpc>
@@ -5517,7 +5938,7 @@
           <a:bodyPr wrap="none" lIns="0" tIns="0" rIns="0" bIns="0" rtlCol="0" anchor="t"/>
           <a:lstStyle/>
           <a:p>
-            <a:pPr indent="0" marL="0">
+            <a:pPr marL="0" indent="0">
               <a:lnSpc>
                 <a:spcPts val="6350"/>
               </a:lnSpc>
@@ -5540,14 +5961,14 @@
       </p:sp>
       <p:pic>
         <p:nvPicPr>
-          <p:cNvPr id="3" name="Image 0" descr="preencoded.png">    </p:cNvPr>
+          <p:cNvPr id="3" name="Image 0" descr="preencoded.png"/>
           <p:cNvPicPr>
             <a:picLocks noChangeAspect="1"/>
           </p:cNvPicPr>
           <p:nvPr/>
         </p:nvPicPr>
         <p:blipFill>
-          <a:blip r:embed="rId1"/>
+          <a:blip r:embed="rId3"/>
           <a:stretch>
             <a:fillRect/>
           </a:stretch>
@@ -5583,7 +6004,7 @@
           <a:bodyPr wrap="none" lIns="0" tIns="0" rIns="0" bIns="0" rtlCol="0" anchor="t"/>
           <a:lstStyle/>
           <a:p>
-            <a:pPr algn="l" indent="0" marL="0">
+            <a:pPr marL="0" indent="0" algn="l">
               <a:lnSpc>
                 <a:spcPts val="3150"/>
               </a:lnSpc>
@@ -5625,7 +6046,7 @@
           <a:bodyPr wrap="square" lIns="0" tIns="0" rIns="0" bIns="0" rtlCol="0" anchor="t"/>
           <a:lstStyle/>
           <a:p>
-            <a:pPr algn="l" indent="0" marL="0">
+            <a:pPr marL="0" indent="0" algn="l">
               <a:lnSpc>
                 <a:spcPts val="3100"/>
               </a:lnSpc>
@@ -5648,14 +6069,14 @@
       </p:sp>
       <p:pic>
         <p:nvPicPr>
-          <p:cNvPr id="6" name="Image 1" descr="preencoded.png">    </p:cNvPr>
+          <p:cNvPr id="6" name="Image 1" descr="preencoded.png"/>
           <p:cNvPicPr>
             <a:picLocks noChangeAspect="1"/>
           </p:cNvPicPr>
           <p:nvPr/>
         </p:nvPicPr>
         <p:blipFill>
-          <a:blip r:embed="rId2"/>
+          <a:blip r:embed="rId4"/>
           <a:stretch>
             <a:fillRect/>
           </a:stretch>
@@ -5691,7 +6112,7 @@
           <a:bodyPr wrap="none" lIns="0" tIns="0" rIns="0" bIns="0" rtlCol="0" anchor="t"/>
           <a:lstStyle/>
           <a:p>
-            <a:pPr algn="l" indent="0" marL="0">
+            <a:pPr marL="0" indent="0" algn="l">
               <a:lnSpc>
                 <a:spcPts val="3150"/>
               </a:lnSpc>
@@ -5733,7 +6154,7 @@
           <a:bodyPr wrap="square" lIns="0" tIns="0" rIns="0" bIns="0" rtlCol="0" anchor="t"/>
           <a:lstStyle/>
           <a:p>
-            <a:pPr algn="l" indent="0" marL="0">
+            <a:pPr marL="0" indent="0" algn="l">
               <a:lnSpc>
                 <a:spcPts val="3100"/>
               </a:lnSpc>
@@ -5756,14 +6177,14 @@
       </p:sp>
       <p:pic>
         <p:nvPicPr>
-          <p:cNvPr id="9" name="Image 2" descr="preencoded.png">    </p:cNvPr>
+          <p:cNvPr id="9" name="Image 2" descr="preencoded.png"/>
           <p:cNvPicPr>
             <a:picLocks noChangeAspect="1"/>
           </p:cNvPicPr>
           <p:nvPr/>
         </p:nvPicPr>
         <p:blipFill>
-          <a:blip r:embed="rId3"/>
+          <a:blip r:embed="rId5"/>
           <a:stretch>
             <a:fillRect/>
           </a:stretch>
@@ -5799,7 +6220,7 @@
           <a:bodyPr wrap="none" lIns="0" tIns="0" rIns="0" bIns="0" rtlCol="0" anchor="t"/>
           <a:lstStyle/>
           <a:p>
-            <a:pPr algn="l" indent="0" marL="0">
+            <a:pPr marL="0" indent="0" algn="l">
               <a:lnSpc>
                 <a:spcPts val="3150"/>
               </a:lnSpc>
@@ -5841,7 +6262,7 @@
           <a:bodyPr wrap="square" lIns="0" tIns="0" rIns="0" bIns="0" rtlCol="0" anchor="t"/>
           <a:lstStyle/>
           <a:p>
-            <a:pPr algn="l" indent="0" marL="0">
+            <a:pPr marL="0" indent="0" algn="l">
               <a:lnSpc>
                 <a:spcPts val="3100"/>
               </a:lnSpc>
@@ -6163,4 +6584,319 @@
     </a:ext>
   </a:extLst>
 </a:theme>
+</file>
+
+<file path=ppt/theme/theme2.xml><?xml version="1.0" encoding="utf-8"?>
+<a:theme xmlns:a="http://schemas.openxmlformats.org/drawingml/2006/main" name="Office Theme">
+  <a:themeElements>
+    <a:clrScheme name="Office">
+      <a:dk1>
+        <a:sysClr val="windowText" lastClr="000000"/>
+      </a:dk1>
+      <a:lt1>
+        <a:sysClr val="window" lastClr="FFFFFF"/>
+      </a:lt1>
+      <a:dk2>
+        <a:srgbClr val="0E2841"/>
+      </a:dk2>
+      <a:lt2>
+        <a:srgbClr val="E8E8E8"/>
+      </a:lt2>
+      <a:accent1>
+        <a:srgbClr val="156082"/>
+      </a:accent1>
+      <a:accent2>
+        <a:srgbClr val="E97132"/>
+      </a:accent2>
+      <a:accent3>
+        <a:srgbClr val="196B24"/>
+      </a:accent3>
+      <a:accent4>
+        <a:srgbClr val="0F9ED5"/>
+      </a:accent4>
+      <a:accent5>
+        <a:srgbClr val="A02B93"/>
+      </a:accent5>
+      <a:accent6>
+        <a:srgbClr val="4EA72E"/>
+      </a:accent6>
+      <a:hlink>
+        <a:srgbClr val="467886"/>
+      </a:hlink>
+      <a:folHlink>
+        <a:srgbClr val="96607D"/>
+      </a:folHlink>
+    </a:clrScheme>
+    <a:fontScheme name="Office">
+      <a:majorFont>
+        <a:latin typeface="Aptos Display" panose="02110004020202020204"/>
+        <a:ea typeface=""/>
+        <a:cs typeface=""/>
+        <a:font script="Jpan" typeface="游ゴシック Light"/>
+        <a:font script="Hang" typeface="맑은 고딕"/>
+        <a:font script="Hans" typeface="等线 Light"/>
+        <a:font script="Hant" typeface="新細明體"/>
+        <a:font script="Arab" typeface="Times New Roman"/>
+        <a:font script="Hebr" typeface="Times New Roman"/>
+        <a:font script="Thai" typeface="Angsana New"/>
+        <a:font script="Ethi" typeface="Nyala"/>
+        <a:font script="Beng" typeface="Vrinda"/>
+        <a:font script="Gujr" typeface="Shruti"/>
+        <a:font script="Khmr" typeface="MoolBoran"/>
+        <a:font script="Knda" typeface="Tunga"/>
+        <a:font script="Guru" typeface="Raavi"/>
+        <a:font script="Cans" typeface="Euphemia"/>
+        <a:font script="Cher" typeface="Plantagenet Cherokee"/>
+        <a:font script="Yiii" typeface="Microsoft Yi Baiti"/>
+        <a:font script="Tibt" typeface="Microsoft Himalaya"/>
+        <a:font script="Thaa" typeface="MV Boli"/>
+        <a:font script="Deva" typeface="Mangal"/>
+        <a:font script="Telu" typeface="Gautami"/>
+        <a:font script="Taml" typeface="Latha"/>
+        <a:font script="Syrc" typeface="Estrangelo Edessa"/>
+        <a:font script="Orya" typeface="Kalinga"/>
+        <a:font script="Mlym" typeface="Kartika"/>
+        <a:font script="Laoo" typeface="DokChampa"/>
+        <a:font script="Sinh" typeface="Iskoola Pota"/>
+        <a:font script="Mong" typeface="Mongolian Baiti"/>
+        <a:font script="Viet" typeface="Times New Roman"/>
+        <a:font script="Uigh" typeface="Microsoft Uighur"/>
+        <a:font script="Geor" typeface="Sylfaen"/>
+        <a:font script="Armn" typeface="Arial"/>
+        <a:font script="Bugi" typeface="Leelawadee UI"/>
+        <a:font script="Bopo" typeface="Microsoft JhengHei"/>
+        <a:font script="Java" typeface="Javanese Text"/>
+        <a:font script="Lisu" typeface="Segoe UI"/>
+        <a:font script="Mymr" typeface="Myanmar Text"/>
+        <a:font script="Nkoo" typeface="Ebrima"/>
+        <a:font script="Olck" typeface="Nirmala UI"/>
+        <a:font script="Osma" typeface="Ebrima"/>
+        <a:font script="Phag" typeface="Phagspa"/>
+        <a:font script="Syrn" typeface="Estrangelo Edessa"/>
+        <a:font script="Syrj" typeface="Estrangelo Edessa"/>
+        <a:font script="Syre" typeface="Estrangelo Edessa"/>
+        <a:font script="Sora" typeface="Nirmala UI"/>
+        <a:font script="Tale" typeface="Microsoft Tai Le"/>
+        <a:font script="Talu" typeface="Microsoft New Tai Lue"/>
+        <a:font script="Tfng" typeface="Ebrima"/>
+      </a:majorFont>
+      <a:minorFont>
+        <a:latin typeface="Aptos" panose="02110004020202020204"/>
+        <a:ea typeface=""/>
+        <a:cs typeface=""/>
+        <a:font script="Jpan" typeface="游ゴシック"/>
+        <a:font script="Hang" typeface="맑은 고딕"/>
+        <a:font script="Hans" typeface="等线"/>
+        <a:font script="Hant" typeface="新細明體"/>
+        <a:font script="Arab" typeface="Arial"/>
+        <a:font script="Hebr" typeface="Arial"/>
+        <a:font script="Thai" typeface="Cordia New"/>
+        <a:font script="Ethi" typeface="Nyala"/>
+        <a:font script="Beng" typeface="Vrinda"/>
+        <a:font script="Gujr" typeface="Shruti"/>
+        <a:font script="Khmr" typeface="DaunPenh"/>
+        <a:font script="Knda" typeface="Tunga"/>
+        <a:font script="Guru" typeface="Raavi"/>
+        <a:font script="Cans" typeface="Euphemia"/>
+        <a:font script="Cher" typeface="Plantagenet Cherokee"/>
+        <a:font script="Yiii" typeface="Microsoft Yi Baiti"/>
+        <a:font script="Tibt" typeface="Microsoft Himalaya"/>
+        <a:font script="Thaa" typeface="MV Boli"/>
+        <a:font script="Deva" typeface="Mangal"/>
+        <a:font script="Telu" typeface="Gautami"/>
+        <a:font script="Taml" typeface="Latha"/>
+        <a:font script="Syrc" typeface="Estrangelo Edessa"/>
+        <a:font script="Orya" typeface="Kalinga"/>
+        <a:font script="Mlym" typeface="Kartika"/>
+        <a:font script="Laoo" typeface="DokChampa"/>
+        <a:font script="Sinh" typeface="Iskoola Pota"/>
+        <a:font script="Mong" typeface="Mongolian Baiti"/>
+        <a:font script="Viet" typeface="Arial"/>
+        <a:font script="Uigh" typeface="Microsoft Uighur"/>
+        <a:font script="Geor" typeface="Sylfaen"/>
+        <a:font script="Armn" typeface="Arial"/>
+        <a:font script="Bugi" typeface="Leelawadee UI"/>
+        <a:font script="Bopo" typeface="Microsoft JhengHei"/>
+        <a:font script="Java" typeface="Javanese Text"/>
+        <a:font script="Lisu" typeface="Segoe UI"/>
+        <a:font script="Mymr" typeface="Myanmar Text"/>
+        <a:font script="Nkoo" typeface="Ebrima"/>
+        <a:font script="Olck" typeface="Nirmala UI"/>
+        <a:font script="Osma" typeface="Ebrima"/>
+        <a:font script="Phag" typeface="Phagspa"/>
+        <a:font script="Syrn" typeface="Estrangelo Edessa"/>
+        <a:font script="Syrj" typeface="Estrangelo Edessa"/>
+        <a:font script="Syre" typeface="Estrangelo Edessa"/>
+        <a:font script="Sora" typeface="Nirmala UI"/>
+        <a:font script="Tale" typeface="Microsoft Tai Le"/>
+        <a:font script="Talu" typeface="Microsoft New Tai Lue"/>
+        <a:font script="Tfng" typeface="Ebrima"/>
+      </a:minorFont>
+    </a:fontScheme>
+    <a:fmtScheme name="Office">
+      <a:fillStyleLst>
+        <a:solidFill>
+          <a:schemeClr val="phClr"/>
+        </a:solidFill>
+        <a:gradFill rotWithShape="1">
+          <a:gsLst>
+            <a:gs pos="0">
+              <a:schemeClr val="phClr">
+                <a:lumMod val="110000"/>
+                <a:satMod val="105000"/>
+                <a:tint val="67000"/>
+              </a:schemeClr>
+            </a:gs>
+            <a:gs pos="50000">
+              <a:schemeClr val="phClr">
+                <a:lumMod val="105000"/>
+                <a:satMod val="103000"/>
+                <a:tint val="73000"/>
+              </a:schemeClr>
+            </a:gs>
+            <a:gs pos="100000">
+              <a:schemeClr val="phClr">
+                <a:lumMod val="105000"/>
+                <a:satMod val="109000"/>
+                <a:tint val="81000"/>
+              </a:schemeClr>
+            </a:gs>
+          </a:gsLst>
+          <a:lin ang="5400000" scaled="0"/>
+        </a:gradFill>
+        <a:gradFill rotWithShape="1">
+          <a:gsLst>
+            <a:gs pos="0">
+              <a:schemeClr val="phClr">
+                <a:satMod val="103000"/>
+                <a:lumMod val="102000"/>
+                <a:tint val="94000"/>
+              </a:schemeClr>
+            </a:gs>
+            <a:gs pos="50000">
+              <a:schemeClr val="phClr">
+                <a:satMod val="110000"/>
+                <a:lumMod val="100000"/>
+                <a:shade val="100000"/>
+              </a:schemeClr>
+            </a:gs>
+            <a:gs pos="100000">
+              <a:schemeClr val="phClr">
+                <a:lumMod val="99000"/>
+                <a:satMod val="120000"/>
+                <a:shade val="78000"/>
+              </a:schemeClr>
+            </a:gs>
+          </a:gsLst>
+          <a:lin ang="5400000" scaled="0"/>
+        </a:gradFill>
+      </a:fillStyleLst>
+      <a:lnStyleLst>
+        <a:ln w="12700" cap="flat" cmpd="sng" algn="ctr">
+          <a:solidFill>
+            <a:schemeClr val="phClr"/>
+          </a:solidFill>
+          <a:prstDash val="solid"/>
+          <a:miter lim="800000"/>
+        </a:ln>
+        <a:ln w="19050" cap="flat" cmpd="sng" algn="ctr">
+          <a:solidFill>
+            <a:schemeClr val="phClr"/>
+          </a:solidFill>
+          <a:prstDash val="solid"/>
+          <a:miter lim="800000"/>
+        </a:ln>
+        <a:ln w="25400" cap="flat" cmpd="sng" algn="ctr">
+          <a:solidFill>
+            <a:schemeClr val="phClr"/>
+          </a:solidFill>
+          <a:prstDash val="solid"/>
+          <a:miter lim="800000"/>
+        </a:ln>
+      </a:lnStyleLst>
+      <a:effectStyleLst>
+        <a:effectStyle>
+          <a:effectLst/>
+        </a:effectStyle>
+        <a:effectStyle>
+          <a:effectLst/>
+        </a:effectStyle>
+        <a:effectStyle>
+          <a:effectLst>
+            <a:outerShdw blurRad="57150" dist="19050" dir="5400000" algn="ctr" rotWithShape="0">
+              <a:srgbClr val="000000">
+                <a:alpha val="63000"/>
+              </a:srgbClr>
+            </a:outerShdw>
+          </a:effectLst>
+        </a:effectStyle>
+      </a:effectStyleLst>
+      <a:bgFillStyleLst>
+        <a:solidFill>
+          <a:schemeClr val="phClr"/>
+        </a:solidFill>
+        <a:solidFill>
+          <a:schemeClr val="phClr">
+            <a:tint val="95000"/>
+            <a:satMod val="170000"/>
+          </a:schemeClr>
+        </a:solidFill>
+        <a:gradFill rotWithShape="1">
+          <a:gsLst>
+            <a:gs pos="0">
+              <a:schemeClr val="phClr">
+                <a:tint val="93000"/>
+                <a:satMod val="150000"/>
+                <a:shade val="98000"/>
+                <a:lumMod val="102000"/>
+              </a:schemeClr>
+            </a:gs>
+            <a:gs pos="50000">
+              <a:schemeClr val="phClr">
+                <a:tint val="98000"/>
+                <a:satMod val="130000"/>
+                <a:shade val="90000"/>
+                <a:lumMod val="103000"/>
+              </a:schemeClr>
+            </a:gs>
+            <a:gs pos="100000">
+              <a:schemeClr val="phClr">
+                <a:shade val="63000"/>
+                <a:satMod val="120000"/>
+              </a:schemeClr>
+            </a:gs>
+          </a:gsLst>
+          <a:lin ang="5400000" scaled="0"/>
+        </a:gradFill>
+      </a:bgFillStyleLst>
+    </a:fmtScheme>
+  </a:themeElements>
+  <a:objectDefaults>
+    <a:lnDef>
+      <a:spPr/>
+      <a:bodyPr/>
+      <a:lstStyle/>
+      <a:style>
+        <a:lnRef idx="2">
+          <a:schemeClr val="accent1"/>
+        </a:lnRef>
+        <a:fillRef idx="0">
+          <a:schemeClr val="accent1"/>
+        </a:fillRef>
+        <a:effectRef idx="1">
+          <a:schemeClr val="accent1"/>
+        </a:effectRef>
+        <a:fontRef idx="minor">
+          <a:schemeClr val="tx1"/>
+        </a:fontRef>
+      </a:style>
+    </a:lnDef>
+  </a:objectDefaults>
+  <a:extraClrSchemeLst/>
+  <a:extLst>
+    <a:ext uri="{05A4C25C-085E-4340-85A3-A5531E510DB2}">
+      <thm15:themeFamily xmlns:thm15="http://schemas.microsoft.com/office/thememl/2012/main" name="Office Theme" id="{2E142A2C-CD16-42D6-873A-C26D2A0506FA}" vid="{1BDDFF52-6CD6-40A5-AB3C-68EB2F1E4D0A}"/>
+    </a:ext>
+  </a:extLst>
+</a:theme>
 </file>